--- a/Socio-economics Determinants of Doverty in Europe_ Mid November Presentation.pptx
+++ b/Socio-economics Determinants of Doverty in Europe_ Mid November Presentation.pptx
@@ -4,12 +4,17 @@
   <p:sldMasterIdLst>
     <p:sldMasterId id="2147483660" r:id="rId1"/>
   </p:sldMasterIdLst>
+  <p:notesMasterIdLst>
+    <p:notesMasterId r:id="rId9"/>
+  </p:notesMasterIdLst>
   <p:sldIdLst>
     <p:sldId id="258" r:id="rId2"/>
-    <p:sldId id="256" r:id="rId3"/>
-    <p:sldId id="257" r:id="rId4"/>
-    <p:sldId id="259" r:id="rId5"/>
-    <p:sldId id="260" r:id="rId6"/>
+    <p:sldId id="257" r:id="rId3"/>
+    <p:sldId id="262" r:id="rId4"/>
+    <p:sldId id="263" r:id="rId5"/>
+    <p:sldId id="264" r:id="rId6"/>
+    <p:sldId id="259" r:id="rId7"/>
+    <p:sldId id="261" r:id="rId8"/>
   </p:sldIdLst>
   <p:sldSz cx="12192000" cy="6858000"/>
   <p:notesSz cx="6858000" cy="9144000"/>
@@ -114,6 +119,12 @@
     </p:ext>
   </p:extLst>
 </p:presentation>
+</file>
+
+<file path=ppt/authors.xml><?xml version="1.0" encoding="utf-8"?>
+<p188:authorLst xmlns:a="http://schemas.openxmlformats.org/drawingml/2006/main" xmlns:r="http://schemas.openxmlformats.org/officeDocument/2006/relationships" xmlns:p188="http://schemas.microsoft.com/office/powerpoint/2018/8/main">
+  <p188:author id="{5C93BADD-A330-2777-A81A-5D305A68306E}" name="Leo Marcello Poli" initials="LP" userId="S::10715930@polimi.it::5fb95274-5e77-4ff0-998d-ba6cd261dd6d" providerId="AD"/>
+</p188:authorLst>
 </file>
 
 <file path=ppt/revisionInfo.xml><?xml version="1.0" encoding="utf-8"?>
@@ -348,6 +359,548 @@
     </pc:docChg>
   </pc:docChgLst>
 </pc:chgInfo>
+</file>
+
+<file path=ppt/comments/modernComment_101_199C786F.xml><?xml version="1.0" encoding="utf-8"?>
+<p188:cmLst xmlns:a="http://schemas.openxmlformats.org/drawingml/2006/main" xmlns:r="http://schemas.openxmlformats.org/officeDocument/2006/relationships" xmlns:p188="http://schemas.microsoft.com/office/powerpoint/2018/8/main">
+  <p188:cm id="{2E112E1B-D782-5046-A633-F30061D96FC7}" authorId="{5C93BADD-A330-2777-A81A-5D305A68306E}" created="2025-11-11T14:52:46.871">
+    <pc:sldMkLst xmlns:pc="http://schemas.microsoft.com/office/powerpoint/2013/main/command">
+      <pc:docMk/>
+      <pc:sldMk cId="429684847" sldId="257"/>
+    </pc:sldMkLst>
+    <p188:txBody>
+      <a:bodyPr/>
+      <a:lstStyle/>
+      <a:p>
+        <a:r>
+          <a:rPr lang="it-IT"/>
+          <a:t>Dataset description
+</a:t>
+        </a:r>
+      </a:p>
+    </p188:txBody>
+  </p188:cm>
+</p188:cmLst>
+</file>
+
+<file path=ppt/comments/modernComment_102_254EBAF4.xml><?xml version="1.0" encoding="utf-8"?>
+<p188:cmLst xmlns:a="http://schemas.openxmlformats.org/drawingml/2006/main" xmlns:r="http://schemas.openxmlformats.org/officeDocument/2006/relationships" xmlns:p188="http://schemas.microsoft.com/office/powerpoint/2018/8/main">
+  <p188:cm id="{FEED3D6F-93C8-C94C-BA10-A039D519CD03}" authorId="{5C93BADD-A330-2777-A81A-5D305A68306E}" created="2025-11-11T14:52:25.794">
+    <pc:sldMkLst xmlns:pc="http://schemas.microsoft.com/office/powerpoint/2013/main/command">
+      <pc:docMk/>
+      <pc:sldMk cId="625916660" sldId="258"/>
+    </pc:sldMkLst>
+    <p188:txBody>
+      <a:bodyPr/>
+      <a:lstStyle/>
+      <a:p>
+        <a:r>
+          <a:rPr lang="it-IT"/>
+          <a:t>Titolo
+</a:t>
+        </a:r>
+      </a:p>
+    </p188:txBody>
+  </p188:cm>
+</p188:cmLst>
+</file>
+
+<file path=ppt/comments/modernComment_106_1CAD7AC9.xml><?xml version="1.0" encoding="utf-8"?>
+<p188:cmLst xmlns:a="http://schemas.openxmlformats.org/drawingml/2006/main" xmlns:r="http://schemas.openxmlformats.org/officeDocument/2006/relationships" xmlns:p188="http://schemas.microsoft.com/office/powerpoint/2018/8/main">
+  <p188:cm id="{5CF2BB5D-134C-4044-AD87-8494DC0EAB41}" authorId="{5C93BADD-A330-2777-A81A-5D305A68306E}" created="2025-11-11T14:53:09.362">
+    <pc:sldMkLst xmlns:pc="http://schemas.microsoft.com/office/powerpoint/2013/main/command">
+      <pc:docMk/>
+      <pc:sldMk cId="481131209" sldId="262"/>
+    </pc:sldMkLst>
+    <p188:txBody>
+      <a:bodyPr/>
+      <a:lstStyle/>
+      <a:p>
+        <a:r>
+          <a:rPr lang="it-IT"/>
+          <a:t>Tentative goals of the projcet
+#1</a:t>
+        </a:r>
+      </a:p>
+    </p188:txBody>
+  </p188:cm>
+</p188:cmLst>
+</file>
+
+<file path=ppt/comments/modernComment_107_E52E54B6.xml><?xml version="1.0" encoding="utf-8"?>
+<p188:cmLst xmlns:a="http://schemas.openxmlformats.org/drawingml/2006/main" xmlns:r="http://schemas.openxmlformats.org/officeDocument/2006/relationships" xmlns:p188="http://schemas.microsoft.com/office/powerpoint/2018/8/main">
+  <p188:cm id="{8D5C4831-0438-F04C-ADB9-DE6F64B52A16}" authorId="{5C93BADD-A330-2777-A81A-5D305A68306E}" created="2025-11-11T14:53:23.253">
+    <pc:sldMkLst xmlns:pc="http://schemas.microsoft.com/office/powerpoint/2013/main/command">
+      <pc:docMk/>
+      <pc:sldMk cId="3845018806" sldId="263"/>
+    </pc:sldMkLst>
+    <p188:txBody>
+      <a:bodyPr/>
+      <a:lstStyle/>
+      <a:p>
+        <a:r>
+          <a:rPr lang="it-IT"/>
+          <a:t>Tentative goals of the projcet
+#2 tipo</a:t>
+        </a:r>
+      </a:p>
+    </p188:txBody>
+  </p188:cm>
+</p188:cmLst>
+</file>
+
+<file path=ppt/comments/modernComment_108_B39B12C1.xml><?xml version="1.0" encoding="utf-8"?>
+<p188:cmLst xmlns:a="http://schemas.openxmlformats.org/drawingml/2006/main" xmlns:r="http://schemas.openxmlformats.org/officeDocument/2006/relationships" xmlns:p188="http://schemas.microsoft.com/office/powerpoint/2018/8/main">
+  <p188:cm id="{31169DDC-D977-9B4A-9EE1-B284C7604879}" authorId="{5C93BADD-A330-2777-A81A-5D305A68306E}" created="2025-11-11T14:53:40.934">
+    <pc:sldMkLst xmlns:pc="http://schemas.microsoft.com/office/powerpoint/2013/main/command">
+      <pc:docMk/>
+      <pc:sldMk cId="3013284545" sldId="264"/>
+    </pc:sldMkLst>
+    <p188:txBody>
+      <a:bodyPr/>
+      <a:lstStyle/>
+      <a:p>
+        <a:r>
+          <a:rPr lang="it-IT"/>
+          <a:t>Tentative analytical workflow (i.e., which tools you plan to use)</a:t>
+        </a:r>
+      </a:p>
+    </p188:txBody>
+  </p188:cm>
+</p188:cmLst>
+</file>
+
+<file path=ppt/notesMasters/notesMaster1.xml><?xml version="1.0" encoding="utf-8"?>
+<p:notesMaster xmlns:a="http://schemas.openxmlformats.org/drawingml/2006/main" xmlns:r="http://schemas.openxmlformats.org/officeDocument/2006/relationships" xmlns:p="http://schemas.openxmlformats.org/presentationml/2006/main">
+  <p:cSld>
+    <p:bg>
+      <p:bgRef idx="1001">
+        <a:schemeClr val="bg1"/>
+      </p:bgRef>
+    </p:bg>
+    <p:spTree>
+      <p:nvGrpSpPr>
+        <p:cNvPr id="1" name=""/>
+        <p:cNvGrpSpPr/>
+        <p:nvPr/>
+      </p:nvGrpSpPr>
+      <p:grpSpPr>
+        <a:xfrm>
+          <a:off x="0" y="0"/>
+          <a:ext cx="0" cy="0"/>
+          <a:chOff x="0" y="0"/>
+          <a:chExt cx="0" cy="0"/>
+        </a:xfrm>
+      </p:grpSpPr>
+      <p:sp>
+        <p:nvSpPr>
+          <p:cNvPr id="2" name="Segnaposto intestazione 1"/>
+          <p:cNvSpPr>
+            <a:spLocks noGrp="1"/>
+          </p:cNvSpPr>
+          <p:nvPr>
+            <p:ph type="hdr" sz="quarter"/>
+          </p:nvPr>
+        </p:nvSpPr>
+        <p:spPr>
+          <a:xfrm>
+            <a:off x="0" y="0"/>
+            <a:ext cx="2971800" cy="458788"/>
+          </a:xfrm>
+          <a:prstGeom prst="rect">
+            <a:avLst/>
+          </a:prstGeom>
+        </p:spPr>
+        <p:txBody>
+          <a:bodyPr vert="horz" lIns="91440" tIns="45720" rIns="91440" bIns="45720" rtlCol="0"/>
+          <a:lstStyle>
+            <a:lvl1pPr algn="l">
+              <a:defRPr sz="1200"/>
+            </a:lvl1pPr>
+          </a:lstStyle>
+          <a:p>
+            <a:endParaRPr lang="it-IT"/>
+          </a:p>
+        </p:txBody>
+      </p:sp>
+      <p:sp>
+        <p:nvSpPr>
+          <p:cNvPr id="3" name="Segnaposto data 2"/>
+          <p:cNvSpPr>
+            <a:spLocks noGrp="1"/>
+          </p:cNvSpPr>
+          <p:nvPr>
+            <p:ph type="dt" idx="1"/>
+          </p:nvPr>
+        </p:nvSpPr>
+        <p:spPr>
+          <a:xfrm>
+            <a:off x="3884613" y="0"/>
+            <a:ext cx="2971800" cy="458788"/>
+          </a:xfrm>
+          <a:prstGeom prst="rect">
+            <a:avLst/>
+          </a:prstGeom>
+        </p:spPr>
+        <p:txBody>
+          <a:bodyPr vert="horz" lIns="91440" tIns="45720" rIns="91440" bIns="45720" rtlCol="0"/>
+          <a:lstStyle>
+            <a:lvl1pPr algn="r">
+              <a:defRPr sz="1200"/>
+            </a:lvl1pPr>
+          </a:lstStyle>
+          <a:p>
+            <a:fld id="{00A9872A-8211-0640-8E4E-75E57E949337}" type="datetimeFigureOut">
+              <a:rPr lang="it-IT" smtClean="0"/>
+              <a:t>11/11/25</a:t>
+            </a:fld>
+            <a:endParaRPr lang="it-IT"/>
+          </a:p>
+        </p:txBody>
+      </p:sp>
+      <p:sp>
+        <p:nvSpPr>
+          <p:cNvPr id="4" name="Segnaposto immagine diapositiva 3"/>
+          <p:cNvSpPr>
+            <a:spLocks noGrp="1" noRot="1" noChangeAspect="1"/>
+          </p:cNvSpPr>
+          <p:nvPr>
+            <p:ph type="sldImg" idx="2"/>
+          </p:nvPr>
+        </p:nvSpPr>
+        <p:spPr>
+          <a:xfrm>
+            <a:off x="685800" y="1143000"/>
+            <a:ext cx="5486400" cy="3086100"/>
+          </a:xfrm>
+          <a:prstGeom prst="rect">
+            <a:avLst/>
+          </a:prstGeom>
+          <a:noFill/>
+          <a:ln w="12700">
+            <a:solidFill>
+              <a:prstClr val="black"/>
+            </a:solidFill>
+          </a:ln>
+        </p:spPr>
+        <p:txBody>
+          <a:bodyPr vert="horz" lIns="91440" tIns="45720" rIns="91440" bIns="45720" rtlCol="0" anchor="ctr"/>
+          <a:lstStyle/>
+          <a:p>
+            <a:endParaRPr lang="it-IT"/>
+          </a:p>
+        </p:txBody>
+      </p:sp>
+      <p:sp>
+        <p:nvSpPr>
+          <p:cNvPr id="5" name="Segnaposto note 4"/>
+          <p:cNvSpPr>
+            <a:spLocks noGrp="1"/>
+          </p:cNvSpPr>
+          <p:nvPr>
+            <p:ph type="body" sz="quarter" idx="3"/>
+          </p:nvPr>
+        </p:nvSpPr>
+        <p:spPr>
+          <a:xfrm>
+            <a:off x="685800" y="4400550"/>
+            <a:ext cx="5486400" cy="3600450"/>
+          </a:xfrm>
+          <a:prstGeom prst="rect">
+            <a:avLst/>
+          </a:prstGeom>
+        </p:spPr>
+        <p:txBody>
+          <a:bodyPr vert="horz" lIns="91440" tIns="45720" rIns="91440" bIns="45720" rtlCol="0"/>
+          <a:lstStyle/>
+          <a:p>
+            <a:pPr lvl="0"/>
+            <a:r>
+              <a:rPr lang="it-IT"/>
+              <a:t>Fare clic per modificare gli stili del testo dello schema</a:t>
+            </a:r>
+          </a:p>
+          <a:p>
+            <a:pPr lvl="1"/>
+            <a:r>
+              <a:rPr lang="it-IT"/>
+              <a:t>Secondo livello</a:t>
+            </a:r>
+          </a:p>
+          <a:p>
+            <a:pPr lvl="2"/>
+            <a:r>
+              <a:rPr lang="it-IT"/>
+              <a:t>Terzo livello</a:t>
+            </a:r>
+          </a:p>
+          <a:p>
+            <a:pPr lvl="3"/>
+            <a:r>
+              <a:rPr lang="it-IT"/>
+              <a:t>Quarto livello</a:t>
+            </a:r>
+          </a:p>
+          <a:p>
+            <a:pPr lvl="4"/>
+            <a:r>
+              <a:rPr lang="it-IT"/>
+              <a:t>Quinto livello</a:t>
+            </a:r>
+          </a:p>
+        </p:txBody>
+      </p:sp>
+      <p:sp>
+        <p:nvSpPr>
+          <p:cNvPr id="6" name="Segnaposto piè di pagina 5"/>
+          <p:cNvSpPr>
+            <a:spLocks noGrp="1"/>
+          </p:cNvSpPr>
+          <p:nvPr>
+            <p:ph type="ftr" sz="quarter" idx="4"/>
+          </p:nvPr>
+        </p:nvSpPr>
+        <p:spPr>
+          <a:xfrm>
+            <a:off x="0" y="8685213"/>
+            <a:ext cx="2971800" cy="458787"/>
+          </a:xfrm>
+          <a:prstGeom prst="rect">
+            <a:avLst/>
+          </a:prstGeom>
+        </p:spPr>
+        <p:txBody>
+          <a:bodyPr vert="horz" lIns="91440" tIns="45720" rIns="91440" bIns="45720" rtlCol="0" anchor="b"/>
+          <a:lstStyle>
+            <a:lvl1pPr algn="l">
+              <a:defRPr sz="1200"/>
+            </a:lvl1pPr>
+          </a:lstStyle>
+          <a:p>
+            <a:endParaRPr lang="it-IT"/>
+          </a:p>
+        </p:txBody>
+      </p:sp>
+      <p:sp>
+        <p:nvSpPr>
+          <p:cNvPr id="7" name="Segnaposto numero diapositiva 6"/>
+          <p:cNvSpPr>
+            <a:spLocks noGrp="1"/>
+          </p:cNvSpPr>
+          <p:nvPr>
+            <p:ph type="sldNum" sz="quarter" idx="5"/>
+          </p:nvPr>
+        </p:nvSpPr>
+        <p:spPr>
+          <a:xfrm>
+            <a:off x="3884613" y="8685213"/>
+            <a:ext cx="2971800" cy="458787"/>
+          </a:xfrm>
+          <a:prstGeom prst="rect">
+            <a:avLst/>
+          </a:prstGeom>
+        </p:spPr>
+        <p:txBody>
+          <a:bodyPr vert="horz" lIns="91440" tIns="45720" rIns="91440" bIns="45720" rtlCol="0" anchor="b"/>
+          <a:lstStyle>
+            <a:lvl1pPr algn="r">
+              <a:defRPr sz="1200"/>
+            </a:lvl1pPr>
+          </a:lstStyle>
+          <a:p>
+            <a:fld id="{B8A93E82-6BDB-B048-BE95-AC13F57499C0}" type="slidenum">
+              <a:rPr lang="it-IT" smtClean="0"/>
+              <a:t>‹N›</a:t>
+            </a:fld>
+            <a:endParaRPr lang="it-IT"/>
+          </a:p>
+        </p:txBody>
+      </p:sp>
+    </p:spTree>
+    <p:extLst>
+      <p:ext uri="{BB962C8B-B14F-4D97-AF65-F5344CB8AC3E}">
+        <p14:creationId xmlns:p14="http://schemas.microsoft.com/office/powerpoint/2010/main" val="764296501"/>
+      </p:ext>
+    </p:extLst>
+  </p:cSld>
+  <p:clrMap bg1="lt1" tx1="dk1" bg2="lt2" tx2="dk2" accent1="accent1" accent2="accent2" accent3="accent3" accent4="accent4" accent5="accent5" accent6="accent6" hlink="hlink" folHlink="folHlink"/>
+  <p:notesStyle>
+    <a:lvl1pPr marL="0" algn="l" defTabSz="914400" rtl="0" eaLnBrk="1" latinLnBrk="0" hangingPunct="1">
+      <a:defRPr sz="1200" kern="1200">
+        <a:solidFill>
+          <a:schemeClr val="tx1"/>
+        </a:solidFill>
+        <a:latin typeface="+mn-lt"/>
+        <a:ea typeface="+mn-ea"/>
+        <a:cs typeface="+mn-cs"/>
+      </a:defRPr>
+    </a:lvl1pPr>
+    <a:lvl2pPr marL="457200" algn="l" defTabSz="914400" rtl="0" eaLnBrk="1" latinLnBrk="0" hangingPunct="1">
+      <a:defRPr sz="1200" kern="1200">
+        <a:solidFill>
+          <a:schemeClr val="tx1"/>
+        </a:solidFill>
+        <a:latin typeface="+mn-lt"/>
+        <a:ea typeface="+mn-ea"/>
+        <a:cs typeface="+mn-cs"/>
+      </a:defRPr>
+    </a:lvl2pPr>
+    <a:lvl3pPr marL="914400" algn="l" defTabSz="914400" rtl="0" eaLnBrk="1" latinLnBrk="0" hangingPunct="1">
+      <a:defRPr sz="1200" kern="1200">
+        <a:solidFill>
+          <a:schemeClr val="tx1"/>
+        </a:solidFill>
+        <a:latin typeface="+mn-lt"/>
+        <a:ea typeface="+mn-ea"/>
+        <a:cs typeface="+mn-cs"/>
+      </a:defRPr>
+    </a:lvl3pPr>
+    <a:lvl4pPr marL="1371600" algn="l" defTabSz="914400" rtl="0" eaLnBrk="1" latinLnBrk="0" hangingPunct="1">
+      <a:defRPr sz="1200" kern="1200">
+        <a:solidFill>
+          <a:schemeClr val="tx1"/>
+        </a:solidFill>
+        <a:latin typeface="+mn-lt"/>
+        <a:ea typeface="+mn-ea"/>
+        <a:cs typeface="+mn-cs"/>
+      </a:defRPr>
+    </a:lvl4pPr>
+    <a:lvl5pPr marL="1828800" algn="l" defTabSz="914400" rtl="0" eaLnBrk="1" latinLnBrk="0" hangingPunct="1">
+      <a:defRPr sz="1200" kern="1200">
+        <a:solidFill>
+          <a:schemeClr val="tx1"/>
+        </a:solidFill>
+        <a:latin typeface="+mn-lt"/>
+        <a:ea typeface="+mn-ea"/>
+        <a:cs typeface="+mn-cs"/>
+      </a:defRPr>
+    </a:lvl5pPr>
+    <a:lvl6pPr marL="2286000" algn="l" defTabSz="914400" rtl="0" eaLnBrk="1" latinLnBrk="0" hangingPunct="1">
+      <a:defRPr sz="1200" kern="1200">
+        <a:solidFill>
+          <a:schemeClr val="tx1"/>
+        </a:solidFill>
+        <a:latin typeface="+mn-lt"/>
+        <a:ea typeface="+mn-ea"/>
+        <a:cs typeface="+mn-cs"/>
+      </a:defRPr>
+    </a:lvl6pPr>
+    <a:lvl7pPr marL="2743200" algn="l" defTabSz="914400" rtl="0" eaLnBrk="1" latinLnBrk="0" hangingPunct="1">
+      <a:defRPr sz="1200" kern="1200">
+        <a:solidFill>
+          <a:schemeClr val="tx1"/>
+        </a:solidFill>
+        <a:latin typeface="+mn-lt"/>
+        <a:ea typeface="+mn-ea"/>
+        <a:cs typeface="+mn-cs"/>
+      </a:defRPr>
+    </a:lvl7pPr>
+    <a:lvl8pPr marL="3200400" algn="l" defTabSz="914400" rtl="0" eaLnBrk="1" latinLnBrk="0" hangingPunct="1">
+      <a:defRPr sz="1200" kern="1200">
+        <a:solidFill>
+          <a:schemeClr val="tx1"/>
+        </a:solidFill>
+        <a:latin typeface="+mn-lt"/>
+        <a:ea typeface="+mn-ea"/>
+        <a:cs typeface="+mn-cs"/>
+      </a:defRPr>
+    </a:lvl8pPr>
+    <a:lvl9pPr marL="3657600" algn="l" defTabSz="914400" rtl="0" eaLnBrk="1" latinLnBrk="0" hangingPunct="1">
+      <a:defRPr sz="1200" kern="1200">
+        <a:solidFill>
+          <a:schemeClr val="tx1"/>
+        </a:solidFill>
+        <a:latin typeface="+mn-lt"/>
+        <a:ea typeface="+mn-ea"/>
+        <a:cs typeface="+mn-cs"/>
+      </a:defRPr>
+    </a:lvl9pPr>
+  </p:notesStyle>
+</p:notesMaster>
+</file>
+
+<file path=ppt/notesSlides/notesSlide1.xml><?xml version="1.0" encoding="utf-8"?>
+<p:notes xmlns:a="http://schemas.openxmlformats.org/drawingml/2006/main" xmlns:r="http://schemas.openxmlformats.org/officeDocument/2006/relationships" xmlns:p="http://schemas.openxmlformats.org/presentationml/2006/main">
+  <p:cSld>
+    <p:spTree>
+      <p:nvGrpSpPr>
+        <p:cNvPr id="1" name=""/>
+        <p:cNvGrpSpPr/>
+        <p:nvPr/>
+      </p:nvGrpSpPr>
+      <p:grpSpPr>
+        <a:xfrm>
+          <a:off x="0" y="0"/>
+          <a:ext cx="0" cy="0"/>
+          <a:chOff x="0" y="0"/>
+          <a:chExt cx="0" cy="0"/>
+        </a:xfrm>
+      </p:grpSpPr>
+      <p:sp>
+        <p:nvSpPr>
+          <p:cNvPr id="2" name="Segnaposto immagine diapositiva 1"/>
+          <p:cNvSpPr>
+            <a:spLocks noGrp="1" noRot="1" noChangeAspect="1"/>
+          </p:cNvSpPr>
+          <p:nvPr>
+            <p:ph type="sldImg"/>
+          </p:nvPr>
+        </p:nvSpPr>
+        <p:spPr/>
+      </p:sp>
+      <p:sp>
+        <p:nvSpPr>
+          <p:cNvPr id="3" name="Segnaposto note 2"/>
+          <p:cNvSpPr>
+            <a:spLocks noGrp="1"/>
+          </p:cNvSpPr>
+          <p:nvPr>
+            <p:ph type="body" idx="1"/>
+          </p:nvPr>
+        </p:nvSpPr>
+        <p:spPr/>
+        <p:txBody>
+          <a:bodyPr/>
+          <a:lstStyle/>
+          <a:p>
+            <a:endParaRPr lang="it-IT" dirty="0"/>
+          </a:p>
+        </p:txBody>
+      </p:sp>
+      <p:sp>
+        <p:nvSpPr>
+          <p:cNvPr id="4" name="Segnaposto numero diapositiva 3"/>
+          <p:cNvSpPr>
+            <a:spLocks noGrp="1"/>
+          </p:cNvSpPr>
+          <p:nvPr>
+            <p:ph type="sldNum" sz="quarter" idx="5"/>
+          </p:nvPr>
+        </p:nvSpPr>
+        <p:spPr/>
+        <p:txBody>
+          <a:bodyPr/>
+          <a:lstStyle/>
+          <a:p>
+            <a:fld id="{B8A93E82-6BDB-B048-BE95-AC13F57499C0}" type="slidenum">
+              <a:rPr lang="it-IT" smtClean="0"/>
+              <a:t>2</a:t>
+            </a:fld>
+            <a:endParaRPr lang="it-IT"/>
+          </a:p>
+        </p:txBody>
+      </p:sp>
+    </p:spTree>
+    <p:extLst>
+      <p:ext uri="{BB962C8B-B14F-4D97-AF65-F5344CB8AC3E}">
+        <p14:creationId xmlns:p14="http://schemas.microsoft.com/office/powerpoint/2010/main" val="3904678241"/>
+      </p:ext>
+    </p:extLst>
+  </p:cSld>
+  <p:clrMapOvr>
+    <a:masterClrMapping/>
+  </p:clrMapOvr>
+</p:notes>
 </file>
 
 <file path=ppt/slideLayouts/slideLayout1.xml><?xml version="1.0" encoding="utf-8"?>
@@ -4054,14 +4607,14 @@
           <p:nvPr/>
         </p:nvPicPr>
         <p:blipFill>
-          <a:blip r:embed="rId2"/>
+          <a:blip r:embed="rId3"/>
           <a:stretch>
             <a:fillRect/>
           </a:stretch>
         </p:blipFill>
         <p:spPr>
           <a:xfrm>
-            <a:off x="8630284" y="3905300"/>
+            <a:off x="8630284" y="3836720"/>
             <a:ext cx="2769236" cy="2035221"/>
           </a:xfrm>
           <a:prstGeom prst="rect">
@@ -4079,432 +4632,15 @@
   <p:clrMapOvr>
     <a:masterClrMapping/>
   </p:clrMapOvr>
+  <p:extLst>
+    <p:ext uri="{6950BFC3-D8DA-4A85-94F7-54DA5524770B}">
+      <p188:commentRel xmlns:p188="http://schemas.microsoft.com/office/powerpoint/2018/8/main" r:id="rId2"/>
+    </p:ext>
+  </p:extLst>
 </p:sld>
 </file>
 
 <file path=ppt/slides/slide2.xml><?xml version="1.0" encoding="utf-8"?>
-<p:sld xmlns:a="http://schemas.openxmlformats.org/drawingml/2006/main" xmlns:r="http://schemas.openxmlformats.org/officeDocument/2006/relationships" xmlns:p="http://schemas.openxmlformats.org/presentationml/2006/main">
-  <p:cSld>
-    <p:bg>
-      <p:bgPr>
-        <a:solidFill>
-          <a:schemeClr val="bg1"/>
-        </a:solidFill>
-        <a:effectLst/>
-      </p:bgPr>
-    </p:bg>
-    <p:spTree>
-      <p:nvGrpSpPr>
-        <p:cNvPr id="1" name=""/>
-        <p:cNvGrpSpPr/>
-        <p:nvPr/>
-      </p:nvGrpSpPr>
-      <p:grpSpPr>
-        <a:xfrm>
-          <a:off x="0" y="0"/>
-          <a:ext cx="0" cy="0"/>
-          <a:chOff x="0" y="0"/>
-          <a:chExt cx="0" cy="0"/>
-        </a:xfrm>
-      </p:grpSpPr>
-      <p:sp useBgFill="1">
-        <p:nvSpPr>
-          <p:cNvPr id="9" name="Rectangle 8">
-            <a:extLst>
-              <a:ext uri="{FF2B5EF4-FFF2-40B4-BE49-F238E27FC236}">
-                <a16:creationId xmlns:a16="http://schemas.microsoft.com/office/drawing/2014/main" id="{33E93247-6229-44AB-A550-739E971E690B}"/>
-              </a:ext>
-              <a:ext uri="{C183D7F6-B498-43B3-948B-1728B52AA6E4}">
-                <adec:decorative xmlns:adec="http://schemas.microsoft.com/office/drawing/2017/decorative" val="1"/>
-              </a:ext>
-            </a:extLst>
-          </p:cNvPr>
-          <p:cNvSpPr>
-            <a:spLocks noGrp="1" noRot="1" noChangeAspect="1" noMove="1" noResize="1" noEditPoints="1" noAdjustHandles="1" noChangeArrowheads="1" noChangeShapeType="1" noTextEdit="1"/>
-          </p:cNvSpPr>
-          <p:nvPr>
-            <p:extLst>
-              <p:ext uri="{386F3935-93C4-4BCD-93E2-E3B085C9AB24}">
-                <p16:designElem xmlns:p16="http://schemas.microsoft.com/office/powerpoint/2015/main" val="1"/>
-              </p:ext>
-            </p:extLst>
-          </p:nvPr>
-        </p:nvSpPr>
-        <p:spPr>
-          <a:xfrm>
-            <a:off x="0" y="0"/>
-            <a:ext cx="12192000" cy="6858000"/>
-          </a:xfrm>
-          <a:prstGeom prst="rect">
-            <a:avLst/>
-          </a:prstGeom>
-          <a:ln w="12700" cap="flat" cmpd="sng" algn="ctr">
-            <a:noFill/>
-            <a:prstDash val="solid"/>
-            <a:miter lim="800000"/>
-          </a:ln>
-          <a:effectLst/>
-          <a:extLst>
-            <a:ext uri="{91240B29-F687-4F45-9708-019B960494DF}">
-              <a14:hiddenLine xmlns:a14="http://schemas.microsoft.com/office/drawing/2010/main" w="12700" cap="flat" cmpd="sng" algn="ctr">
-                <a:solidFill>
-                  <a:schemeClr val="accent1">
-                    <a:shade val="50000"/>
-                  </a:schemeClr>
-                </a:solidFill>
-                <a:prstDash val="solid"/>
-                <a:miter lim="800000"/>
-              </a14:hiddenLine>
-            </a:ext>
-          </a:extLst>
-        </p:spPr>
-        <p:style>
-          <a:lnRef idx="2">
-            <a:schemeClr val="accent1">
-              <a:shade val="50000"/>
-            </a:schemeClr>
-          </a:lnRef>
-          <a:fillRef idx="1">
-            <a:schemeClr val="accent1"/>
-          </a:fillRef>
-          <a:effectRef idx="0">
-            <a:schemeClr val="accent1"/>
-          </a:effectRef>
-          <a:fontRef idx="minor">
-            <a:schemeClr val="lt1"/>
-          </a:fontRef>
-        </p:style>
-        <p:txBody>
-          <a:bodyPr rtlCol="0" anchor="ctr"/>
-          <a:lstStyle/>
-          <a:p>
-            <a:pPr algn="ctr"/>
-            <a:endParaRPr lang="en-US"/>
-          </a:p>
-        </p:txBody>
-      </p:sp>
-      <p:sp>
-        <p:nvSpPr>
-          <p:cNvPr id="2" name="Titolo 1">
-            <a:extLst>
-              <a:ext uri="{FF2B5EF4-FFF2-40B4-BE49-F238E27FC236}">
-                <a16:creationId xmlns:a16="http://schemas.microsoft.com/office/drawing/2014/main" id="{9323F586-5F91-CB51-AE58-C2754DCFB105}"/>
-              </a:ext>
-            </a:extLst>
-          </p:cNvPr>
-          <p:cNvSpPr>
-            <a:spLocks noGrp="1"/>
-          </p:cNvSpPr>
-          <p:nvPr>
-            <p:ph type="ctrTitle"/>
-          </p:nvPr>
-        </p:nvSpPr>
-        <p:spPr>
-          <a:xfrm>
-            <a:off x="703400" y="871759"/>
-            <a:ext cx="7377610" cy="2762982"/>
-          </a:xfrm>
-        </p:spPr>
-        <p:txBody>
-          <a:bodyPr>
-            <a:normAutofit/>
-          </a:bodyPr>
-          <a:lstStyle/>
-          <a:p>
-            <a:r>
-              <a:rPr lang="it-IT"/>
-              <a:t>Socio-</a:t>
-            </a:r>
-            <a:r>
-              <a:rPr lang="it-IT" err="1"/>
-              <a:t>economics</a:t>
-            </a:r>
-            <a:r>
-              <a:rPr lang="it-IT"/>
-              <a:t> </a:t>
-            </a:r>
-            <a:r>
-              <a:rPr lang="it-IT" err="1"/>
-              <a:t>determinants</a:t>
-            </a:r>
-            <a:r>
-              <a:rPr lang="it-IT"/>
-              <a:t> of </a:t>
-            </a:r>
-            <a:r>
-              <a:rPr lang="it-IT" err="1"/>
-              <a:t>poverty</a:t>
-            </a:r>
-            <a:r>
-              <a:rPr lang="it-IT"/>
-              <a:t> in </a:t>
-            </a:r>
-            <a:r>
-              <a:rPr lang="it-IT" err="1"/>
-              <a:t>europe</a:t>
-            </a:r>
-            <a:endParaRPr lang="it-IT"/>
-          </a:p>
-        </p:txBody>
-      </p:sp>
-      <p:sp>
-        <p:nvSpPr>
-          <p:cNvPr id="3" name="Sottotitolo 2">
-            <a:extLst>
-              <a:ext uri="{FF2B5EF4-FFF2-40B4-BE49-F238E27FC236}">
-                <a16:creationId xmlns:a16="http://schemas.microsoft.com/office/drawing/2014/main" id="{8DD94448-E9D3-9080-6BEC-6AC5DFAC885E}"/>
-              </a:ext>
-            </a:extLst>
-          </p:cNvPr>
-          <p:cNvSpPr>
-            <a:spLocks noGrp="1"/>
-          </p:cNvSpPr>
-          <p:nvPr>
-            <p:ph type="subTitle" idx="1"/>
-          </p:nvPr>
-        </p:nvSpPr>
-        <p:spPr>
-          <a:xfrm>
-            <a:off x="721688" y="4090233"/>
-            <a:ext cx="4857857" cy="1005657"/>
-          </a:xfrm>
-        </p:spPr>
-        <p:txBody>
-          <a:bodyPr>
-            <a:normAutofit fontScale="77500" lnSpcReduction="20000"/>
-          </a:bodyPr>
-          <a:lstStyle/>
-          <a:p>
-            <a:r>
-              <a:rPr lang="it-IT"/>
-              <a:t>Tito Rodolfo </a:t>
-            </a:r>
-            <a:r>
-              <a:rPr lang="it-IT" err="1"/>
-              <a:t>Maraz</a:t>
-            </a:r>
-            <a:r>
-              <a:rPr lang="it-IT"/>
-              <a:t> Galassi - 278030</a:t>
-            </a:r>
-          </a:p>
-          <a:p>
-            <a:r>
-              <a:rPr lang="it-IT"/>
-              <a:t>Leo Marcello Poli – 280899</a:t>
-            </a:r>
-          </a:p>
-          <a:p>
-            <a:r>
-              <a:rPr lang="it-IT"/>
-              <a:t>Pietro Filippo </a:t>
-            </a:r>
-            <a:r>
-              <a:rPr lang="it-IT" err="1"/>
-              <a:t>Schgor</a:t>
-            </a:r>
-            <a:r>
-              <a:rPr lang="it-IT"/>
-              <a:t> - 258727</a:t>
-            </a:r>
-          </a:p>
-        </p:txBody>
-      </p:sp>
-      <p:cxnSp>
-        <p:nvCxnSpPr>
-          <p:cNvPr id="11" name="Straight Connector 10">
-            <a:extLst>
-              <a:ext uri="{FF2B5EF4-FFF2-40B4-BE49-F238E27FC236}">
-                <a16:creationId xmlns:a16="http://schemas.microsoft.com/office/drawing/2014/main" id="{EE2E603F-4A95-4FE8-BB06-211DFD75DBEF}"/>
-              </a:ext>
-              <a:ext uri="{C183D7F6-B498-43B3-948B-1728B52AA6E4}">
-                <adec:decorative xmlns:adec="http://schemas.microsoft.com/office/drawing/2017/decorative" val="1"/>
-              </a:ext>
-            </a:extLst>
-          </p:cNvPr>
-          <p:cNvCxnSpPr>
-            <a:cxnSpLocks noGrp="1" noRot="1" noChangeAspect="1" noMove="1" noResize="1" noEditPoints="1" noAdjustHandles="1" noChangeArrowheads="1" noChangeShapeType="1"/>
-          </p:cNvCxnSpPr>
-          <p:nvPr>
-            <p:extLst>
-              <p:ext uri="{386F3935-93C4-4BCD-93E2-E3B085C9AB24}">
-                <p16:designElem xmlns:p16="http://schemas.microsoft.com/office/powerpoint/2015/main" val="1"/>
-              </p:ext>
-            </p:extLst>
-          </p:nvPr>
-        </p:nvCxnSpPr>
-        <p:spPr>
-          <a:xfrm>
-            <a:off x="800100" y="723900"/>
-            <a:ext cx="4914900" cy="0"/>
-          </a:xfrm>
-          <a:prstGeom prst="line">
-            <a:avLst/>
-          </a:prstGeom>
-          <a:ln w="44450">
-            <a:solidFill>
-              <a:schemeClr val="tx1"/>
-            </a:solidFill>
-          </a:ln>
-        </p:spPr>
-        <p:style>
-          <a:lnRef idx="1">
-            <a:schemeClr val="accent1"/>
-          </a:lnRef>
-          <a:fillRef idx="0">
-            <a:schemeClr val="accent1"/>
-          </a:fillRef>
-          <a:effectRef idx="0">
-            <a:schemeClr val="accent1"/>
-          </a:effectRef>
-          <a:fontRef idx="minor">
-            <a:schemeClr val="tx1"/>
-          </a:fontRef>
-        </p:style>
-      </p:cxnSp>
-      <p:cxnSp>
-        <p:nvCxnSpPr>
-          <p:cNvPr id="13" name="Straight Connector 12">
-            <a:extLst>
-              <a:ext uri="{FF2B5EF4-FFF2-40B4-BE49-F238E27FC236}">
-                <a16:creationId xmlns:a16="http://schemas.microsoft.com/office/drawing/2014/main" id="{D7CC41EB-2D81-4303-9171-6401B388BA35}"/>
-              </a:ext>
-              <a:ext uri="{C183D7F6-B498-43B3-948B-1728B52AA6E4}">
-                <adec:decorative xmlns:adec="http://schemas.microsoft.com/office/drawing/2017/decorative" val="1"/>
-              </a:ext>
-            </a:extLst>
-          </p:cNvPr>
-          <p:cNvCxnSpPr>
-            <a:cxnSpLocks noGrp="1" noRot="1" noChangeAspect="1" noMove="1" noResize="1" noEditPoints="1" noAdjustHandles="1" noChangeArrowheads="1" noChangeShapeType="1"/>
-          </p:cNvCxnSpPr>
-          <p:nvPr>
-            <p:extLst>
-              <p:ext uri="{386F3935-93C4-4BCD-93E2-E3B085C9AB24}">
-                <p16:designElem xmlns:p16="http://schemas.microsoft.com/office/powerpoint/2015/main" val="1"/>
-              </p:ext>
-            </p:extLst>
-          </p:nvPr>
-        </p:nvCxnSpPr>
-        <p:spPr>
-          <a:xfrm>
-            <a:off x="800100" y="6134100"/>
-            <a:ext cx="4914900" cy="0"/>
-          </a:xfrm>
-          <a:prstGeom prst="line">
-            <a:avLst/>
-          </a:prstGeom>
-          <a:ln w="12700">
-            <a:solidFill>
-              <a:schemeClr val="tx1"/>
-            </a:solidFill>
-          </a:ln>
-        </p:spPr>
-        <p:style>
-          <a:lnRef idx="1">
-            <a:schemeClr val="accent1"/>
-          </a:lnRef>
-          <a:fillRef idx="0">
-            <a:schemeClr val="accent1"/>
-          </a:fillRef>
-          <a:effectRef idx="0">
-            <a:schemeClr val="accent1"/>
-          </a:effectRef>
-          <a:fontRef idx="minor">
-            <a:schemeClr val="tx1"/>
-          </a:fontRef>
-        </p:style>
-      </p:cxnSp>
-      <p:pic>
-        <p:nvPicPr>
-          <p:cNvPr id="6" name="Immagine 5">
-            <a:extLst>
-              <a:ext uri="{FF2B5EF4-FFF2-40B4-BE49-F238E27FC236}">
-                <a16:creationId xmlns:a16="http://schemas.microsoft.com/office/drawing/2014/main" id="{61A278D8-7490-E2F7-60B9-20F390D32725}"/>
-              </a:ext>
-            </a:extLst>
-          </p:cNvPr>
-          <p:cNvPicPr>
-            <a:picLocks noChangeAspect="1"/>
-          </p:cNvPicPr>
-          <p:nvPr/>
-        </p:nvPicPr>
-        <p:blipFill>
-          <a:blip r:embed="rId2"/>
-          <a:stretch>
-            <a:fillRect/>
-          </a:stretch>
-        </p:blipFill>
-        <p:spPr>
-          <a:xfrm>
-            <a:off x="8666570" y="4464298"/>
-            <a:ext cx="2769236" cy="2035221"/>
-          </a:xfrm>
-          <a:prstGeom prst="rect">
-            <a:avLst/>
-          </a:prstGeom>
-        </p:spPr>
-      </p:pic>
-      <p:sp>
-        <p:nvSpPr>
-          <p:cNvPr id="8" name="CasellaDiTesto 7">
-            <a:extLst>
-              <a:ext uri="{FF2B5EF4-FFF2-40B4-BE49-F238E27FC236}">
-                <a16:creationId xmlns:a16="http://schemas.microsoft.com/office/drawing/2014/main" id="{1B2F2BCD-64C3-E20E-A104-40FD7CCB00B3}"/>
-              </a:ext>
-            </a:extLst>
-          </p:cNvPr>
-          <p:cNvSpPr txBox="1"/>
-          <p:nvPr/>
-        </p:nvSpPr>
-        <p:spPr>
-          <a:xfrm>
-            <a:off x="721688" y="5616909"/>
-            <a:ext cx="3653564" cy="369332"/>
-          </a:xfrm>
-          <a:prstGeom prst="rect">
-            <a:avLst/>
-          </a:prstGeom>
-          <a:noFill/>
-        </p:spPr>
-        <p:txBody>
-          <a:bodyPr wrap="none" rtlCol="0">
-            <a:spAutoFit/>
-          </a:bodyPr>
-          <a:lstStyle/>
-          <a:p>
-            <a:r>
-              <a:rPr lang="it-IT" err="1"/>
-              <a:t>Nonparametric</a:t>
-            </a:r>
-            <a:r>
-              <a:rPr lang="it-IT"/>
-              <a:t> </a:t>
-            </a:r>
-            <a:r>
-              <a:rPr lang="it-IT" err="1"/>
-              <a:t>Statistics</a:t>
-            </a:r>
-            <a:r>
-              <a:rPr lang="it-IT"/>
-              <a:t> 2025-2026</a:t>
-            </a:r>
-          </a:p>
-        </p:txBody>
-      </p:sp>
-    </p:spTree>
-    <p:extLst>
-      <p:ext uri="{BB962C8B-B14F-4D97-AF65-F5344CB8AC3E}">
-        <p14:creationId xmlns:p14="http://schemas.microsoft.com/office/powerpoint/2010/main" val="3621039622"/>
-      </p:ext>
-    </p:extLst>
-  </p:cSld>
-  <p:clrMapOvr>
-    <a:masterClrMapping/>
-  </p:clrMapOvr>
-</p:sld>
-</file>
-
-<file path=ppt/slides/slide3.xml><?xml version="1.0" encoding="utf-8"?>
 <p:sld xmlns:a="http://schemas.openxmlformats.org/drawingml/2006/main" xmlns:r="http://schemas.openxmlformats.org/officeDocument/2006/relationships" xmlns:p="http://schemas.openxmlformats.org/presentationml/2006/main">
   <p:cSld>
     <p:spTree>
@@ -4539,399 +4675,379 @@
         </p:nvSpPr>
         <p:spPr>
           <a:xfrm>
-            <a:off x="700635" y="1049020"/>
-            <a:ext cx="10691265" cy="4345940"/>
+            <a:off x="750367" y="1120140"/>
+            <a:ext cx="10691265" cy="5829300"/>
           </a:xfrm>
         </p:spPr>
         <p:txBody>
-          <a:bodyPr/>
+          <a:bodyPr>
+            <a:noAutofit/>
+          </a:bodyPr>
           <a:lstStyle/>
           <a:p>
             <a:pPr marL="0" indent="0">
               <a:buNone/>
             </a:pPr>
             <a:r>
-              <a:rPr lang="it-IT"/>
-              <a:t>The dataset </a:t>
-            </a:r>
-            <a:r>
-              <a:rPr lang="it-IT" err="1"/>
-              <a:t>at</a:t>
-            </a:r>
-            <a:r>
-              <a:rPr lang="it-IT"/>
-              <a:t> the center of </a:t>
-            </a:r>
-            <a:r>
-              <a:rPr lang="it-IT" err="1"/>
-              <a:t>this</a:t>
-            </a:r>
-            <a:r>
-              <a:rPr lang="it-IT"/>
+              <a:rPr lang="it-IT" sz="2100" dirty="0" err="1"/>
+              <a:t>This</a:t>
+            </a:r>
+            <a:r>
+              <a:rPr lang="it-IT" sz="2100" dirty="0"/>
+              <a:t> dataset, </a:t>
+            </a:r>
+            <a:r>
+              <a:rPr lang="it-IT" sz="2100" dirty="0" err="1"/>
+              <a:t>sourced</a:t>
+            </a:r>
+            <a:r>
+              <a:rPr lang="it-IT" sz="2100" dirty="0"/>
+              <a:t> from </a:t>
+            </a:r>
+            <a:r>
+              <a:rPr lang="it-IT" sz="2100" b="1" dirty="0"/>
+              <a:t>Eurostat</a:t>
+            </a:r>
+            <a:r>
+              <a:rPr lang="it-IT" sz="2100" dirty="0"/>
+              <a:t>, </a:t>
+            </a:r>
+            <a:r>
+              <a:rPr lang="it-IT" sz="2100" dirty="0" err="1"/>
+              <a:t>integrates</a:t>
+            </a:r>
+            <a:r>
+              <a:rPr lang="it-IT" sz="2100" dirty="0"/>
               <a:t> </a:t>
             </a:r>
             <a:r>
-              <a:rPr lang="it-IT" err="1"/>
+              <a:rPr lang="it-IT" sz="2100" dirty="0" err="1"/>
+              <a:t>two</a:t>
+            </a:r>
+            <a:r>
+              <a:rPr lang="it-IT" sz="2100" dirty="0"/>
+              <a:t> key </a:t>
+            </a:r>
+            <a:r>
+              <a:rPr lang="it-IT" sz="2100" dirty="0" err="1"/>
+              <a:t>components</a:t>
+            </a:r>
+            <a:r>
+              <a:rPr lang="it-IT" sz="2100" dirty="0"/>
+              <a:t>: the </a:t>
+            </a:r>
+            <a:r>
+              <a:rPr lang="it-IT" sz="2100" b="1" dirty="0"/>
+              <a:t>At-risk-of-</a:t>
+            </a:r>
+            <a:r>
+              <a:rPr lang="it-IT" sz="2100" b="1" dirty="0" err="1"/>
+              <a:t>poverty</a:t>
+            </a:r>
+            <a:r>
+              <a:rPr lang="it-IT" sz="2100" b="1" dirty="0"/>
+              <a:t> rate</a:t>
+            </a:r>
+            <a:r>
+              <a:rPr lang="it-IT" sz="2100" dirty="0"/>
+              <a:t> and </a:t>
+            </a:r>
+            <a:r>
+              <a:rPr lang="it-IT" sz="2100" b="1" dirty="0"/>
+              <a:t>Social </a:t>
+            </a:r>
+            <a:r>
+              <a:rPr lang="it-IT" sz="2100" b="1" dirty="0" err="1"/>
+              <a:t>Protection</a:t>
+            </a:r>
+            <a:r>
+              <a:rPr lang="it-IT" sz="2100" b="1" dirty="0"/>
+              <a:t> </a:t>
+            </a:r>
+            <a:r>
+              <a:rPr lang="it-IT" sz="2100" b="1" dirty="0" err="1"/>
+              <a:t>Expenditures</a:t>
+            </a:r>
+            <a:r>
+              <a:rPr lang="it-IT" sz="2100" dirty="0"/>
+              <a:t> data.</a:t>
+            </a:r>
+          </a:p>
+          <a:p>
+            <a:pPr marL="0" indent="0">
+              <a:buNone/>
+            </a:pPr>
+            <a:r>
+              <a:rPr lang="it-IT" sz="2100" dirty="0"/>
+              <a:t>The scope of the </a:t>
+            </a:r>
+            <a:r>
+              <a:rPr lang="it-IT" sz="2100" dirty="0" err="1"/>
               <a:t>analysis</a:t>
             </a:r>
             <a:r>
-              <a:rPr lang="it-IT"/>
+              <a:rPr lang="it-IT" sz="2100" dirty="0"/>
+              <a:t> covers </a:t>
+            </a:r>
+            <a:r>
+              <a:rPr lang="it-IT" sz="2100" b="1" dirty="0"/>
+              <a:t>36 </a:t>
+            </a:r>
+            <a:r>
+              <a:rPr lang="it-IT" sz="2100" b="1" dirty="0" err="1"/>
+              <a:t>European</a:t>
+            </a:r>
+            <a:r>
+              <a:rPr lang="it-IT" sz="2100" b="1" dirty="0"/>
+              <a:t> countries</a:t>
+            </a:r>
+            <a:r>
+              <a:rPr lang="it-IT" sz="2100" dirty="0"/>
+              <a:t> over the </a:t>
+            </a:r>
+            <a:r>
+              <a:rPr lang="it-IT" sz="2100" dirty="0" err="1"/>
+              <a:t>period</a:t>
+            </a:r>
+            <a:r>
+              <a:rPr lang="it-IT" sz="2100" dirty="0"/>
+              <a:t> </a:t>
+            </a:r>
+            <a:r>
+              <a:rPr lang="it-IT" sz="2100" b="1" dirty="0"/>
+              <a:t>2015 to 2023</a:t>
+            </a:r>
+            <a:r>
+              <a:rPr lang="it-IT" sz="2100" dirty="0"/>
+              <a:t>.</a:t>
+            </a:r>
+          </a:p>
+          <a:p>
+            <a:pPr marL="0" indent="0">
+              <a:buNone/>
+            </a:pPr>
+            <a:r>
+              <a:rPr lang="it-IT" sz="2100" dirty="0"/>
+              <a:t>The Social </a:t>
+            </a:r>
+            <a:r>
+              <a:rPr lang="it-IT" sz="2100" dirty="0" err="1"/>
+              <a:t>Protection</a:t>
+            </a:r>
+            <a:r>
+              <a:rPr lang="it-IT" sz="2100" dirty="0"/>
+              <a:t> </a:t>
+            </a:r>
+            <a:r>
+              <a:rPr lang="it-IT" sz="2100" dirty="0" err="1"/>
+              <a:t>Expenditures</a:t>
+            </a:r>
+            <a:r>
+              <a:rPr lang="it-IT" sz="2100" dirty="0"/>
+              <a:t> component </a:t>
+            </a:r>
+            <a:r>
+              <a:rPr lang="it-IT" sz="2100" dirty="0" err="1"/>
+              <a:t>is</a:t>
+            </a:r>
+            <a:r>
+              <a:rPr lang="it-IT" sz="2100" dirty="0"/>
+              <a:t> </a:t>
+            </a:r>
+            <a:r>
+              <a:rPr lang="it-IT" sz="2100" dirty="0" err="1"/>
+              <a:t>broken</a:t>
+            </a:r>
+            <a:r>
+              <a:rPr lang="it-IT" sz="2100" dirty="0"/>
+              <a:t> down </a:t>
+            </a:r>
+            <a:r>
+              <a:rPr lang="it-IT" sz="2100" dirty="0" err="1"/>
+              <a:t>according</a:t>
+            </a:r>
+            <a:r>
+              <a:rPr lang="it-IT" sz="2100" dirty="0"/>
+              <a:t> to </a:t>
+            </a:r>
+            <a:r>
+              <a:rPr lang="it-IT" sz="2100" dirty="0" err="1"/>
+              <a:t>two</a:t>
+            </a:r>
+            <a:r>
+              <a:rPr lang="it-IT" sz="2100" dirty="0"/>
+              <a:t> </a:t>
+            </a:r>
+            <a:r>
+              <a:rPr lang="it-IT" sz="2100" dirty="0" err="1"/>
+              <a:t>main</a:t>
+            </a:r>
+            <a:r>
+              <a:rPr lang="it-IT" sz="2100" dirty="0"/>
+              <a:t> </a:t>
+            </a:r>
+            <a:r>
+              <a:rPr lang="it-IT" sz="2100" dirty="0" err="1"/>
+              <a:t>classifications</a:t>
+            </a:r>
+            <a:r>
+              <a:rPr lang="it-IT" sz="2100" dirty="0"/>
+              <a:t>:</a:t>
+            </a:r>
+          </a:p>
+          <a:p>
+            <a:pPr>
+              <a:buFontTx/>
+              <a:buChar char="-"/>
+            </a:pPr>
+            <a:r>
+              <a:rPr lang="it-IT" sz="2100" dirty="0" err="1"/>
+              <a:t>classification</a:t>
+            </a:r>
+            <a:r>
+              <a:rPr lang="it-IT" sz="2100" dirty="0"/>
+              <a:t> by 8 </a:t>
+            </a:r>
+            <a:r>
+              <a:rPr lang="it-IT" sz="2100" dirty="0" err="1"/>
+              <a:t>different</a:t>
+            </a:r>
+            <a:r>
+              <a:rPr lang="it-IT" sz="2100" dirty="0"/>
+              <a:t> </a:t>
+            </a:r>
+            <a:r>
+              <a:rPr lang="it-IT" sz="2100" b="1" dirty="0" err="1"/>
+              <a:t>Function</a:t>
+            </a:r>
+            <a:r>
+              <a:rPr lang="it-IT" sz="2100" dirty="0"/>
+              <a:t>: 		  		            </a:t>
+            </a:r>
+            <a:r>
+              <a:rPr lang="it-IT" sz="2100" dirty="0" err="1"/>
+              <a:t>Sickness</a:t>
+            </a:r>
+            <a:r>
+              <a:rPr lang="it-IT" sz="2100" dirty="0"/>
+              <a:t>/Healthcare, </a:t>
+            </a:r>
+            <a:r>
+              <a:rPr lang="it-IT" sz="2100" dirty="0" err="1"/>
+              <a:t>Disability</a:t>
+            </a:r>
+            <a:r>
+              <a:rPr lang="it-IT" sz="2100" dirty="0"/>
               <a:t>, </a:t>
             </a:r>
             <a:r>
-              <a:rPr lang="it-IT" err="1"/>
-              <a:t>sourced</a:t>
-            </a:r>
-            <a:r>
-              <a:rPr lang="it-IT"/>
-              <a:t> from </a:t>
-            </a:r>
-            <a:r>
-              <a:rPr lang="it-IT" b="1"/>
-              <a:t>Eurostat</a:t>
-            </a:r>
-            <a:r>
-              <a:rPr lang="it-IT"/>
-              <a:t>, combines </a:t>
-            </a:r>
-            <a:r>
-              <a:rPr lang="it-IT" err="1"/>
-              <a:t>two</a:t>
-            </a:r>
-            <a:r>
-              <a:rPr lang="it-IT"/>
-              <a:t> key </a:t>
-            </a:r>
-            <a:r>
-              <a:rPr lang="it-IT" err="1"/>
-              <a:t>indicators</a:t>
-            </a:r>
-            <a:r>
-              <a:rPr lang="it-IT"/>
-              <a:t>: the </a:t>
-            </a:r>
-            <a:r>
-              <a:rPr lang="it-IT" b="1"/>
-              <a:t>At-risk-of-</a:t>
-            </a:r>
-            <a:r>
-              <a:rPr lang="it-IT" b="1" err="1"/>
-              <a:t>poverty</a:t>
-            </a:r>
-            <a:r>
-              <a:rPr lang="it-IT" b="1"/>
-              <a:t> rate</a:t>
-            </a:r>
-            <a:r>
-              <a:rPr lang="it-IT"/>
-              <a:t> and </a:t>
-            </a:r>
-            <a:r>
-              <a:rPr lang="it-IT" err="1"/>
-              <a:t>detailed</a:t>
-            </a:r>
-            <a:r>
-              <a:rPr lang="it-IT"/>
-              <a:t> data on </a:t>
-            </a:r>
-            <a:r>
-              <a:rPr lang="it-IT" b="1"/>
-              <a:t>Social </a:t>
-            </a:r>
-            <a:r>
-              <a:rPr lang="it-IT" b="1" err="1"/>
-              <a:t>Protection</a:t>
-            </a:r>
-            <a:r>
-              <a:rPr lang="it-IT" b="1"/>
+              <a:rPr lang="it-IT" sz="2100" dirty="0" err="1"/>
+              <a:t>Old</a:t>
+            </a:r>
+            <a:r>
+              <a:rPr lang="it-IT" sz="2100" dirty="0"/>
+              <a:t> age, </a:t>
+            </a:r>
+            <a:r>
+              <a:rPr lang="it-IT" sz="2100" dirty="0" err="1"/>
+              <a:t>Survivors</a:t>
+            </a:r>
+            <a:r>
+              <a:rPr lang="it-IT" sz="2100" dirty="0"/>
+              <a:t>, Family/</a:t>
+            </a:r>
+            <a:r>
+              <a:rPr lang="it-IT" sz="2100" dirty="0" err="1"/>
+              <a:t>children</a:t>
+            </a:r>
+            <a:r>
+              <a:rPr lang="it-IT" sz="2100" dirty="0"/>
+              <a:t>, </a:t>
+            </a:r>
+            <a:r>
+              <a:rPr lang="it-IT" sz="2100" dirty="0" err="1"/>
+              <a:t>Unemployment</a:t>
+            </a:r>
+            <a:r>
+              <a:rPr lang="it-IT" sz="2100" dirty="0"/>
+              <a:t>, Housing and Social </a:t>
+            </a:r>
+            <a:r>
+              <a:rPr lang="it-IT" sz="2100" dirty="0" err="1"/>
+              <a:t>exclusion</a:t>
+            </a:r>
+            <a:r>
+              <a:rPr lang="it-IT" sz="2100" dirty="0"/>
+              <a:t> (</a:t>
+            </a:r>
+            <a:r>
+              <a:rPr lang="it-IT" sz="2100" dirty="0" err="1"/>
+              <a:t>not</a:t>
+            </a:r>
+            <a:r>
+              <a:rPr lang="it-IT" sz="2100" dirty="0"/>
               <a:t> </a:t>
             </a:r>
             <a:r>
-              <a:rPr lang="it-IT" b="1" err="1"/>
-              <a:t>Expenditure</a:t>
-            </a:r>
-            <a:r>
-              <a:rPr lang="it-IT"/>
-              <a:t>.</a:t>
+              <a:rPr lang="it-IT" sz="2100" dirty="0" err="1"/>
+              <a:t>elsewhere</a:t>
+            </a:r>
+            <a:r>
+              <a:rPr lang="it-IT" sz="2100" dirty="0"/>
+              <a:t> </a:t>
+            </a:r>
+            <a:r>
+              <a:rPr lang="it-IT" sz="2100" dirty="0" err="1"/>
+              <a:t>classified</a:t>
+            </a:r>
+            <a:r>
+              <a:rPr lang="it-IT" sz="2100" dirty="0"/>
+              <a:t>);</a:t>
+            </a:r>
+          </a:p>
+          <a:p>
+            <a:pPr>
+              <a:buFontTx/>
+              <a:buChar char="-"/>
+            </a:pPr>
+            <a:r>
+              <a:rPr lang="it-IT" sz="2100" dirty="0" err="1"/>
+              <a:t>classification</a:t>
+            </a:r>
+            <a:r>
+              <a:rPr lang="it-IT" sz="2100" dirty="0"/>
+              <a:t> by 2 </a:t>
+            </a:r>
+            <a:r>
+              <a:rPr lang="it-IT" sz="2100" dirty="0" err="1"/>
+              <a:t>different</a:t>
+            </a:r>
+            <a:r>
+              <a:rPr lang="it-IT" sz="2100" dirty="0"/>
+              <a:t> </a:t>
+            </a:r>
+            <a:r>
+              <a:rPr lang="it-IT" sz="2100" b="1" dirty="0" err="1"/>
+              <a:t>Type</a:t>
+            </a:r>
+            <a:r>
+              <a:rPr lang="it-IT" sz="2100" dirty="0"/>
+              <a:t>:                                                                                   Benefits in </a:t>
+            </a:r>
+            <a:r>
+              <a:rPr lang="it-IT" sz="2100" dirty="0" err="1"/>
+              <a:t>kind</a:t>
+            </a:r>
+            <a:r>
+              <a:rPr lang="it-IT" sz="2100" dirty="0"/>
+              <a:t> and cash benefits.</a:t>
             </a:r>
           </a:p>
           <a:p>
             <a:pPr marL="0" indent="0">
               <a:buNone/>
             </a:pPr>
-            <a:endParaRPr lang="it-IT"/>
-          </a:p>
-          <a:p>
-            <a:pPr marL="0" indent="0">
-              <a:buNone/>
-            </a:pPr>
-            <a:r>
-              <a:rPr lang="it-IT"/>
-              <a:t>The </a:t>
-            </a:r>
-            <a:r>
-              <a:rPr lang="it-IT" err="1"/>
-              <a:t>origin</a:t>
-            </a:r>
-            <a:r>
-              <a:rPr lang="it-IT"/>
-              <a:t> of </a:t>
-            </a:r>
-            <a:r>
-              <a:rPr lang="it-IT" err="1"/>
-              <a:t>this</a:t>
-            </a:r>
-            <a:r>
-              <a:rPr lang="it-IT"/>
-              <a:t> data </a:t>
-            </a:r>
-            <a:r>
-              <a:rPr lang="it-IT" err="1"/>
-              <a:t>is</a:t>
-            </a:r>
-            <a:r>
-              <a:rPr lang="it-IT"/>
-              <a:t> the EU-SILC (</a:t>
-            </a:r>
-            <a:r>
-              <a:rPr lang="it-IT" err="1"/>
-              <a:t>Statistics</a:t>
-            </a:r>
-            <a:r>
-              <a:rPr lang="it-IT"/>
-              <a:t> on </a:t>
-            </a:r>
-            <a:r>
-              <a:rPr lang="it-IT" err="1"/>
-              <a:t>Income</a:t>
-            </a:r>
-            <a:r>
-              <a:rPr lang="it-IT"/>
-              <a:t> and Living </a:t>
-            </a:r>
-            <a:r>
-              <a:rPr lang="it-IT" err="1"/>
-              <a:t>Conditions</a:t>
-            </a:r>
-            <a:r>
-              <a:rPr lang="it-IT"/>
-              <a:t>) survey, </a:t>
-            </a:r>
-            <a:r>
-              <a:rPr lang="it-IT" err="1"/>
-              <a:t>which</a:t>
-            </a:r>
-            <a:r>
-              <a:rPr lang="it-IT"/>
-              <a:t> </a:t>
-            </a:r>
-            <a:r>
-              <a:rPr lang="it-IT" err="1"/>
-              <a:t>collects</a:t>
-            </a:r>
-            <a:r>
-              <a:rPr lang="it-IT"/>
-              <a:t> </a:t>
-            </a:r>
-            <a:r>
-              <a:rPr lang="it-IT" err="1"/>
-              <a:t>multidimensional</a:t>
-            </a:r>
-            <a:r>
-              <a:rPr lang="it-IT"/>
-              <a:t> </a:t>
-            </a:r>
-            <a:r>
-              <a:rPr lang="it-IT" err="1"/>
-              <a:t>microdata</a:t>
-            </a:r>
-            <a:r>
-              <a:rPr lang="it-IT"/>
-              <a:t> on </a:t>
-            </a:r>
-            <a:r>
-              <a:rPr lang="it-IT" err="1"/>
-              <a:t>income</a:t>
-            </a:r>
-            <a:r>
-              <a:rPr lang="it-IT"/>
-              <a:t>, </a:t>
-            </a:r>
-            <a:r>
-              <a:rPr lang="it-IT" err="1"/>
-              <a:t>poverty</a:t>
-            </a:r>
-            <a:r>
-              <a:rPr lang="it-IT"/>
-              <a:t>, and social </a:t>
-            </a:r>
-            <a:r>
-              <a:rPr lang="it-IT" err="1"/>
-              <a:t>exclusion</a:t>
-            </a:r>
-            <a:r>
-              <a:rPr lang="it-IT"/>
-              <a:t>. EU-SILC </a:t>
-            </a:r>
-            <a:r>
-              <a:rPr lang="it-IT" err="1"/>
-              <a:t>uses</a:t>
-            </a:r>
-            <a:r>
-              <a:rPr lang="it-IT"/>
-              <a:t> a </a:t>
-            </a:r>
-            <a:r>
-              <a:rPr lang="it-IT" err="1"/>
-              <a:t>nationally</a:t>
-            </a:r>
-            <a:r>
-              <a:rPr lang="it-IT"/>
-              <a:t> </a:t>
-            </a:r>
-            <a:r>
-              <a:rPr lang="it-IT" err="1"/>
-              <a:t>representative</a:t>
-            </a:r>
-            <a:r>
-              <a:rPr lang="it-IT"/>
-              <a:t> sample of private </a:t>
-            </a:r>
-            <a:r>
-              <a:rPr lang="it-IT" err="1"/>
-              <a:t>households</a:t>
-            </a:r>
-            <a:r>
-              <a:rPr lang="it-IT"/>
-              <a:t>, </a:t>
-            </a:r>
-            <a:r>
-              <a:rPr lang="it-IT" err="1"/>
-              <a:t>combining</a:t>
-            </a:r>
-            <a:r>
-              <a:rPr lang="it-IT"/>
-              <a:t> survey and </a:t>
-            </a:r>
-            <a:r>
-              <a:rPr lang="it-IT" err="1"/>
-              <a:t>administrative</a:t>
-            </a:r>
-            <a:r>
-              <a:rPr lang="it-IT"/>
-              <a:t> data to </a:t>
-            </a:r>
-            <a:r>
-              <a:rPr lang="it-IT" err="1"/>
-              <a:t>ensure</a:t>
-            </a:r>
-            <a:r>
-              <a:rPr lang="it-IT"/>
-              <a:t> </a:t>
-            </a:r>
-            <a:r>
-              <a:rPr lang="it-IT" err="1"/>
-              <a:t>comparability</a:t>
-            </a:r>
-            <a:r>
-              <a:rPr lang="it-IT"/>
-              <a:t>.</a:t>
-            </a:r>
-          </a:p>
-          <a:p>
-            <a:pPr marL="0" indent="0">
-              <a:buNone/>
-            </a:pPr>
-            <a:endParaRPr lang="it-IT"/>
-          </a:p>
-          <a:p>
-            <a:pPr marL="0" indent="0">
-              <a:buNone/>
-            </a:pPr>
-            <a:r>
-              <a:rPr lang="it-IT"/>
-              <a:t>The </a:t>
-            </a:r>
-            <a:r>
-              <a:rPr lang="it-IT" b="1" err="1"/>
-              <a:t>objective</a:t>
-            </a:r>
-            <a:r>
-              <a:rPr lang="it-IT"/>
-              <a:t> </a:t>
-            </a:r>
-            <a:r>
-              <a:rPr lang="it-IT" err="1"/>
-              <a:t>is</a:t>
-            </a:r>
-            <a:r>
-              <a:rPr lang="it-IT"/>
-              <a:t> to </a:t>
-            </a:r>
-            <a:r>
-              <a:rPr lang="it-IT" err="1"/>
-              <a:t>analyze</a:t>
-            </a:r>
-            <a:r>
-              <a:rPr lang="it-IT"/>
-              <a:t> the </a:t>
-            </a:r>
-            <a:r>
-              <a:rPr lang="it-IT" err="1"/>
-              <a:t>relationship</a:t>
-            </a:r>
-            <a:r>
-              <a:rPr lang="it-IT"/>
-              <a:t> </a:t>
-            </a:r>
-            <a:r>
-              <a:rPr lang="it-IT" err="1"/>
-              <a:t>between</a:t>
-            </a:r>
-            <a:r>
-              <a:rPr lang="it-IT"/>
-              <a:t> </a:t>
-            </a:r>
-            <a:r>
-              <a:rPr lang="it-IT" b="1"/>
-              <a:t>national social spending strategies</a:t>
-            </a:r>
-            <a:r>
-              <a:rPr lang="it-IT"/>
-              <a:t> and key </a:t>
-            </a:r>
-            <a:r>
-              <a:rPr lang="it-IT" err="1"/>
-              <a:t>socio-economic</a:t>
-            </a:r>
-            <a:r>
-              <a:rPr lang="it-IT"/>
-              <a:t> </a:t>
-            </a:r>
-            <a:r>
-              <a:rPr lang="it-IT" err="1"/>
-              <a:t>outcomes</a:t>
-            </a:r>
-            <a:r>
-              <a:rPr lang="it-IT"/>
-              <a:t> </a:t>
-            </a:r>
-            <a:r>
-              <a:rPr lang="it-IT" err="1"/>
-              <a:t>related</a:t>
-            </a:r>
-            <a:r>
-              <a:rPr lang="it-IT"/>
-              <a:t> to </a:t>
-            </a:r>
-            <a:r>
-              <a:rPr lang="it-IT" b="1" err="1"/>
-              <a:t>poverty</a:t>
-            </a:r>
-            <a:r>
-              <a:rPr lang="it-IT"/>
-              <a:t>.</a:t>
-            </a:r>
+            <a:endParaRPr lang="it-IT" sz="2100" dirty="0"/>
           </a:p>
         </p:txBody>
       </p:sp>
@@ -4945,10 +5061,800 @@
   <p:clrMapOvr>
     <a:masterClrMapping/>
   </p:clrMapOvr>
+  <p:extLst>
+    <p:ext uri="{6950BFC3-D8DA-4A85-94F7-54DA5524770B}">
+      <p188:commentRel xmlns:p188="http://schemas.microsoft.com/office/powerpoint/2018/8/main" r:id="rId3"/>
+    </p:ext>
+  </p:extLst>
+</p:sld>
+</file>
+
+<file path=ppt/slides/slide3.xml><?xml version="1.0" encoding="utf-8"?>
+<p:sld xmlns:a="http://schemas.openxmlformats.org/drawingml/2006/main" xmlns:r="http://schemas.openxmlformats.org/officeDocument/2006/relationships" xmlns:p="http://schemas.openxmlformats.org/presentationml/2006/main">
+  <p:cSld>
+    <p:spTree>
+      <p:nvGrpSpPr>
+        <p:cNvPr id="1" name="">
+          <a:extLst>
+            <a:ext uri="{FF2B5EF4-FFF2-40B4-BE49-F238E27FC236}">
+              <a16:creationId xmlns:a16="http://schemas.microsoft.com/office/drawing/2014/main" id="{0A6B5424-A193-585E-E292-2B837C3972C2}"/>
+            </a:ext>
+          </a:extLst>
+        </p:cNvPr>
+        <p:cNvGrpSpPr/>
+        <p:nvPr/>
+      </p:nvGrpSpPr>
+      <p:grpSpPr>
+        <a:xfrm>
+          <a:off x="0" y="0"/>
+          <a:ext cx="0" cy="0"/>
+          <a:chOff x="0" y="0"/>
+          <a:chExt cx="0" cy="0"/>
+        </a:xfrm>
+      </p:grpSpPr>
+      <p:sp>
+        <p:nvSpPr>
+          <p:cNvPr id="3" name="Segnaposto contenuto 2">
+            <a:extLst>
+              <a:ext uri="{FF2B5EF4-FFF2-40B4-BE49-F238E27FC236}">
+                <a16:creationId xmlns:a16="http://schemas.microsoft.com/office/drawing/2014/main" id="{FC5E6FC7-CE5C-C2D7-FDBA-5B9BDFB02F12}"/>
+              </a:ext>
+            </a:extLst>
+          </p:cNvPr>
+          <p:cNvSpPr>
+            <a:spLocks noGrp="1"/>
+          </p:cNvSpPr>
+          <p:nvPr>
+            <p:ph idx="1"/>
+          </p:nvPr>
+        </p:nvSpPr>
+        <p:spPr>
+          <a:xfrm>
+            <a:off x="700635" y="1623060"/>
+            <a:ext cx="10691265" cy="4338828"/>
+          </a:xfrm>
+        </p:spPr>
+        <p:txBody>
+          <a:bodyPr>
+            <a:normAutofit/>
+          </a:bodyPr>
+          <a:lstStyle/>
+          <a:p>
+            <a:pPr marL="0" indent="0">
+              <a:buNone/>
+            </a:pPr>
+            <a:r>
+              <a:rPr lang="it-IT" sz="2100" dirty="0" err="1"/>
+              <a:t>This</a:t>
+            </a:r>
+            <a:r>
+              <a:rPr lang="it-IT" sz="2100" dirty="0"/>
+              <a:t> </a:t>
+            </a:r>
+            <a:r>
+              <a:rPr lang="it-IT" sz="2100" dirty="0" err="1"/>
+              <a:t>analysis</a:t>
+            </a:r>
+            <a:r>
+              <a:rPr lang="it-IT" sz="2100" dirty="0"/>
+              <a:t> </a:t>
+            </a:r>
+            <a:r>
+              <a:rPr lang="it-IT" sz="2100" dirty="0" err="1"/>
+              <a:t>aims</a:t>
+            </a:r>
+            <a:r>
+              <a:rPr lang="it-IT" sz="2100" dirty="0"/>
+              <a:t> to investigate the </a:t>
+            </a:r>
+            <a:r>
+              <a:rPr lang="it-IT" sz="2100" b="1" dirty="0" err="1"/>
+              <a:t>effectiveness</a:t>
+            </a:r>
+            <a:r>
+              <a:rPr lang="it-IT" sz="2100" dirty="0"/>
+              <a:t> of </a:t>
+            </a:r>
+            <a:r>
+              <a:rPr lang="it-IT" sz="2100" dirty="0" err="1"/>
+              <a:t>different</a:t>
+            </a:r>
+            <a:r>
+              <a:rPr lang="it-IT" sz="2100" dirty="0"/>
+              <a:t> national social spending </a:t>
+            </a:r>
+            <a:r>
+              <a:rPr lang="it-IT" sz="2100" b="1" dirty="0"/>
+              <a:t>strategies</a:t>
+            </a:r>
+            <a:r>
+              <a:rPr lang="it-IT" sz="2100" dirty="0"/>
+              <a:t> by </a:t>
+            </a:r>
+            <a:r>
+              <a:rPr lang="it-IT" sz="2100" dirty="0" err="1"/>
+              <a:t>examining</a:t>
+            </a:r>
+            <a:r>
+              <a:rPr lang="it-IT" sz="2100" dirty="0"/>
+              <a:t> </a:t>
+            </a:r>
+            <a:r>
+              <a:rPr lang="it-IT" sz="2100" dirty="0" err="1"/>
+              <a:t>their</a:t>
+            </a:r>
+            <a:r>
+              <a:rPr lang="it-IT" sz="2100" dirty="0"/>
+              <a:t> </a:t>
+            </a:r>
+            <a:r>
+              <a:rPr lang="it-IT" sz="2100" dirty="0" err="1"/>
+              <a:t>relationship</a:t>
+            </a:r>
+            <a:r>
+              <a:rPr lang="it-IT" sz="2100" dirty="0"/>
+              <a:t> with </a:t>
+            </a:r>
+            <a:r>
+              <a:rPr lang="it-IT" sz="2100" dirty="0" err="1"/>
+              <a:t>at</a:t>
+            </a:r>
+            <a:r>
+              <a:rPr lang="it-IT" sz="2100" dirty="0"/>
+              <a:t>-risk-of-</a:t>
+            </a:r>
+            <a:r>
+              <a:rPr lang="it-IT" sz="2100" dirty="0" err="1"/>
+              <a:t>poverty</a:t>
+            </a:r>
+            <a:r>
+              <a:rPr lang="it-IT" sz="2100" dirty="0"/>
+              <a:t> rates.</a:t>
+            </a:r>
+          </a:p>
+          <a:p>
+            <a:pPr marL="0" indent="0">
+              <a:buNone/>
+            </a:pPr>
+            <a:r>
+              <a:rPr lang="it-IT" sz="2100" dirty="0"/>
+              <a:t>The core </a:t>
+            </a:r>
+            <a:r>
+              <a:rPr lang="it-IT" sz="2100" dirty="0" err="1"/>
+              <a:t>objectives</a:t>
+            </a:r>
+            <a:r>
+              <a:rPr lang="it-IT" sz="2100" dirty="0"/>
+              <a:t> are </a:t>
+            </a:r>
+            <a:r>
+              <a:rPr lang="it-IT" sz="2100" dirty="0" err="1"/>
+              <a:t>twofold</a:t>
+            </a:r>
+            <a:r>
+              <a:rPr lang="it-IT" sz="2100" dirty="0"/>
+              <a:t>: first, to </a:t>
+            </a:r>
+            <a:r>
+              <a:rPr lang="it-IT" sz="2100" dirty="0" err="1"/>
+              <a:t>identify</a:t>
+            </a:r>
+            <a:r>
+              <a:rPr lang="it-IT" sz="2100" dirty="0"/>
+              <a:t> </a:t>
+            </a:r>
+            <a:r>
+              <a:rPr lang="it-IT" sz="2100" dirty="0" err="1"/>
+              <a:t>which</a:t>
+            </a:r>
+            <a:r>
+              <a:rPr lang="it-IT" sz="2100" dirty="0"/>
+              <a:t> countries </a:t>
+            </a:r>
+            <a:r>
+              <a:rPr lang="it-IT" sz="2100" dirty="0" err="1"/>
+              <a:t>demonstrate</a:t>
+            </a:r>
+            <a:r>
+              <a:rPr lang="it-IT" sz="2100" dirty="0"/>
+              <a:t> the </a:t>
+            </a:r>
+            <a:r>
+              <a:rPr lang="it-IT" sz="2100" dirty="0" err="1"/>
+              <a:t>most</a:t>
+            </a:r>
+            <a:r>
+              <a:rPr lang="it-IT" sz="2100" dirty="0"/>
+              <a:t> </a:t>
+            </a:r>
+            <a:r>
+              <a:rPr lang="it-IT" sz="2100" dirty="0" err="1"/>
+              <a:t>efficient</a:t>
+            </a:r>
+            <a:r>
+              <a:rPr lang="it-IT" sz="2100" dirty="0"/>
+              <a:t> </a:t>
+            </a:r>
+            <a:r>
+              <a:rPr lang="it-IT" sz="2100" dirty="0" err="1"/>
+              <a:t>realization</a:t>
+            </a:r>
+            <a:r>
+              <a:rPr lang="it-IT" sz="2100" dirty="0"/>
+              <a:t> of </a:t>
+            </a:r>
+            <a:r>
+              <a:rPr lang="it-IT" sz="2100" b="1" dirty="0"/>
+              <a:t>social </a:t>
+            </a:r>
+            <a:r>
+              <a:rPr lang="it-IT" sz="2100" b="1" dirty="0" err="1"/>
+              <a:t>expenditure</a:t>
+            </a:r>
+            <a:r>
+              <a:rPr lang="it-IT" sz="2100" b="1" dirty="0"/>
+              <a:t> strategies</a:t>
+            </a:r>
+            <a:r>
+              <a:rPr lang="it-IT" sz="2100" dirty="0"/>
+              <a:t> in </a:t>
+            </a:r>
+            <a:r>
+              <a:rPr lang="it-IT" sz="2100" dirty="0" err="1"/>
+              <a:t>combating</a:t>
+            </a:r>
+            <a:r>
+              <a:rPr lang="it-IT" sz="2100" dirty="0"/>
+              <a:t> </a:t>
+            </a:r>
+            <a:r>
+              <a:rPr lang="it-IT" sz="2100" dirty="0" err="1"/>
+              <a:t>poverty</a:t>
+            </a:r>
+            <a:r>
+              <a:rPr lang="it-IT" sz="2100" dirty="0"/>
+              <a:t>, and second, to highlight </a:t>
+            </a:r>
+            <a:r>
+              <a:rPr lang="it-IT" sz="2100" b="1" dirty="0" err="1"/>
+              <a:t>specific</a:t>
+            </a:r>
+            <a:r>
+              <a:rPr lang="it-IT" sz="2100" b="1" dirty="0"/>
+              <a:t> </a:t>
+            </a:r>
+            <a:r>
+              <a:rPr lang="it-IT" sz="2100" b="1" dirty="0" err="1"/>
+              <a:t>timeframes</a:t>
+            </a:r>
+            <a:r>
+              <a:rPr lang="it-IT" sz="2100" b="1" dirty="0"/>
+              <a:t> </a:t>
+            </a:r>
+            <a:r>
+              <a:rPr lang="it-IT" sz="2100" dirty="0" err="1"/>
+              <a:t>where</a:t>
+            </a:r>
+            <a:r>
+              <a:rPr lang="it-IT" sz="2100" dirty="0"/>
+              <a:t> </a:t>
+            </a:r>
+            <a:r>
+              <a:rPr lang="it-IT" sz="2100" dirty="0" err="1"/>
+              <a:t>certain</a:t>
+            </a:r>
+            <a:r>
+              <a:rPr lang="it-IT" sz="2100" dirty="0"/>
+              <a:t> </a:t>
+            </a:r>
+            <a:r>
+              <a:rPr lang="it-IT" sz="2100" dirty="0" err="1"/>
+              <a:t>nations</a:t>
+            </a:r>
+            <a:r>
+              <a:rPr lang="it-IT" sz="2100" dirty="0"/>
+              <a:t>' policies </a:t>
+            </a:r>
+            <a:r>
+              <a:rPr lang="it-IT" sz="2100" dirty="0" err="1"/>
+              <a:t>proved</a:t>
+            </a:r>
+            <a:r>
+              <a:rPr lang="it-IT" sz="2100" dirty="0"/>
+              <a:t> </a:t>
+            </a:r>
+            <a:r>
+              <a:rPr lang="it-IT" sz="2100" dirty="0" err="1"/>
+              <a:t>particularly</a:t>
+            </a:r>
+            <a:r>
+              <a:rPr lang="it-IT" sz="2100" dirty="0"/>
+              <a:t> </a:t>
+            </a:r>
+            <a:r>
+              <a:rPr lang="it-IT" sz="2100" dirty="0" err="1"/>
+              <a:t>impactful</a:t>
+            </a:r>
+            <a:r>
+              <a:rPr lang="it-IT" sz="2100" dirty="0"/>
+              <a:t> or </a:t>
+            </a:r>
+            <a:r>
+              <a:rPr lang="it-IT" sz="2100" dirty="0" err="1"/>
+              <a:t>successful</a:t>
+            </a:r>
+            <a:r>
+              <a:rPr lang="it-IT" sz="2100" dirty="0"/>
+              <a:t>.</a:t>
+            </a:r>
+          </a:p>
+        </p:txBody>
+      </p:sp>
+    </p:spTree>
+    <p:extLst>
+      <p:ext uri="{BB962C8B-B14F-4D97-AF65-F5344CB8AC3E}">
+        <p14:creationId xmlns:p14="http://schemas.microsoft.com/office/powerpoint/2010/main" val="481131209"/>
+      </p:ext>
+    </p:extLst>
+  </p:cSld>
+  <p:clrMapOvr>
+    <a:masterClrMapping/>
+  </p:clrMapOvr>
+  <p:extLst>
+    <p:ext uri="{6950BFC3-D8DA-4A85-94F7-54DA5524770B}">
+      <p188:commentRel xmlns:p188="http://schemas.microsoft.com/office/powerpoint/2018/8/main" r:id="rId2"/>
+    </p:ext>
+  </p:extLst>
 </p:sld>
 </file>
 
 <file path=ppt/slides/slide4.xml><?xml version="1.0" encoding="utf-8"?>
+<p:sld xmlns:a="http://schemas.openxmlformats.org/drawingml/2006/main" xmlns:r="http://schemas.openxmlformats.org/officeDocument/2006/relationships" xmlns:p="http://schemas.openxmlformats.org/presentationml/2006/main">
+  <p:cSld>
+    <p:spTree>
+      <p:nvGrpSpPr>
+        <p:cNvPr id="1" name="">
+          <a:extLst>
+            <a:ext uri="{FF2B5EF4-FFF2-40B4-BE49-F238E27FC236}">
+              <a16:creationId xmlns:a16="http://schemas.microsoft.com/office/drawing/2014/main" id="{3F09AA7C-F3F1-7153-CE11-E285331FEC89}"/>
+            </a:ext>
+          </a:extLst>
+        </p:cNvPr>
+        <p:cNvGrpSpPr/>
+        <p:nvPr/>
+      </p:nvGrpSpPr>
+      <p:grpSpPr>
+        <a:xfrm>
+          <a:off x="0" y="0"/>
+          <a:ext cx="0" cy="0"/>
+          <a:chOff x="0" y="0"/>
+          <a:chExt cx="0" cy="0"/>
+        </a:xfrm>
+      </p:grpSpPr>
+      <p:sp>
+        <p:nvSpPr>
+          <p:cNvPr id="3" name="Segnaposto contenuto 2">
+            <a:extLst>
+              <a:ext uri="{FF2B5EF4-FFF2-40B4-BE49-F238E27FC236}">
+                <a16:creationId xmlns:a16="http://schemas.microsoft.com/office/drawing/2014/main" id="{59B68D08-B0D4-A42B-14A7-31697A0DDF5E}"/>
+              </a:ext>
+            </a:extLst>
+          </p:cNvPr>
+          <p:cNvSpPr>
+            <a:spLocks noGrp="1"/>
+          </p:cNvSpPr>
+          <p:nvPr>
+            <p:ph idx="1"/>
+          </p:nvPr>
+        </p:nvSpPr>
+        <p:spPr>
+          <a:xfrm>
+            <a:off x="700635" y="1623060"/>
+            <a:ext cx="10691265" cy="4338828"/>
+          </a:xfrm>
+        </p:spPr>
+        <p:txBody>
+          <a:bodyPr>
+            <a:normAutofit/>
+          </a:bodyPr>
+          <a:lstStyle/>
+          <a:p>
+            <a:pPr marL="0" indent="0">
+              <a:buNone/>
+            </a:pPr>
+            <a:r>
+              <a:rPr lang="it-IT" sz="2100" dirty="0" err="1"/>
+              <a:t>This</a:t>
+            </a:r>
+            <a:r>
+              <a:rPr lang="it-IT" sz="2100" dirty="0"/>
+              <a:t> </a:t>
+            </a:r>
+            <a:r>
+              <a:rPr lang="it-IT" sz="2100" dirty="0" err="1"/>
+              <a:t>analysis</a:t>
+            </a:r>
+            <a:r>
+              <a:rPr lang="it-IT" sz="2100" dirty="0"/>
+              <a:t> </a:t>
+            </a:r>
+            <a:r>
+              <a:rPr lang="it-IT" sz="2100" dirty="0" err="1"/>
+              <a:t>aims</a:t>
+            </a:r>
+            <a:r>
+              <a:rPr lang="it-IT" sz="2100" dirty="0"/>
+              <a:t> to investigate the </a:t>
+            </a:r>
+            <a:r>
+              <a:rPr lang="it-IT" sz="2100" b="1" dirty="0" err="1"/>
+              <a:t>effectiveness</a:t>
+            </a:r>
+            <a:r>
+              <a:rPr lang="it-IT" sz="2100" dirty="0"/>
+              <a:t> of </a:t>
+            </a:r>
+            <a:r>
+              <a:rPr lang="it-IT" sz="2100" dirty="0" err="1"/>
+              <a:t>different</a:t>
+            </a:r>
+            <a:r>
+              <a:rPr lang="it-IT" sz="2100" dirty="0"/>
+              <a:t> national social spending </a:t>
+            </a:r>
+            <a:r>
+              <a:rPr lang="it-IT" sz="2100" b="1" dirty="0"/>
+              <a:t>strategies</a:t>
+            </a:r>
+            <a:r>
+              <a:rPr lang="it-IT" sz="2100" dirty="0"/>
+              <a:t> by </a:t>
+            </a:r>
+            <a:r>
+              <a:rPr lang="it-IT" sz="2100" dirty="0" err="1"/>
+              <a:t>examining</a:t>
+            </a:r>
+            <a:r>
+              <a:rPr lang="it-IT" sz="2100" dirty="0"/>
+              <a:t> </a:t>
+            </a:r>
+            <a:r>
+              <a:rPr lang="it-IT" sz="2100" dirty="0" err="1"/>
+              <a:t>their</a:t>
+            </a:r>
+            <a:r>
+              <a:rPr lang="it-IT" sz="2100" dirty="0"/>
+              <a:t> </a:t>
+            </a:r>
+            <a:r>
+              <a:rPr lang="it-IT" sz="2100" dirty="0" err="1"/>
+              <a:t>relationship</a:t>
+            </a:r>
+            <a:r>
+              <a:rPr lang="it-IT" sz="2100" dirty="0"/>
+              <a:t> with </a:t>
+            </a:r>
+            <a:r>
+              <a:rPr lang="it-IT" sz="2100" dirty="0" err="1"/>
+              <a:t>at</a:t>
+            </a:r>
+            <a:r>
+              <a:rPr lang="it-IT" sz="2100" dirty="0"/>
+              <a:t>-risk-of-</a:t>
+            </a:r>
+            <a:r>
+              <a:rPr lang="it-IT" sz="2100" dirty="0" err="1"/>
+              <a:t>poverty</a:t>
+            </a:r>
+            <a:r>
+              <a:rPr lang="it-IT" sz="2100" dirty="0"/>
+              <a:t> rates.</a:t>
+            </a:r>
+          </a:p>
+          <a:p>
+            <a:pPr marL="0" indent="0">
+              <a:buNone/>
+            </a:pPr>
+            <a:r>
+              <a:rPr lang="it-IT" sz="2100" dirty="0"/>
+              <a:t>The core </a:t>
+            </a:r>
+            <a:r>
+              <a:rPr lang="it-IT" sz="2100" dirty="0" err="1"/>
+              <a:t>objectives</a:t>
+            </a:r>
+            <a:r>
+              <a:rPr lang="it-IT" sz="2100" dirty="0"/>
+              <a:t> are </a:t>
+            </a:r>
+            <a:r>
+              <a:rPr lang="it-IT" sz="2100" dirty="0" err="1"/>
+              <a:t>twofold</a:t>
+            </a:r>
+            <a:r>
+              <a:rPr lang="it-IT" sz="2100" dirty="0"/>
+              <a:t>:</a:t>
+            </a:r>
+          </a:p>
+          <a:p>
+            <a:pPr>
+              <a:buFontTx/>
+              <a:buChar char="-"/>
+            </a:pPr>
+            <a:r>
+              <a:rPr lang="it-IT" sz="2100" dirty="0"/>
+              <a:t>first, to </a:t>
+            </a:r>
+            <a:r>
+              <a:rPr lang="it-IT" sz="2100" dirty="0" err="1"/>
+              <a:t>identify</a:t>
+            </a:r>
+            <a:r>
+              <a:rPr lang="it-IT" sz="2100" dirty="0"/>
+              <a:t> </a:t>
+            </a:r>
+            <a:r>
+              <a:rPr lang="it-IT" sz="2100" dirty="0" err="1"/>
+              <a:t>which</a:t>
+            </a:r>
+            <a:r>
+              <a:rPr lang="it-IT" sz="2100" dirty="0"/>
+              <a:t> countries </a:t>
+            </a:r>
+            <a:r>
+              <a:rPr lang="it-IT" sz="2100" dirty="0" err="1"/>
+              <a:t>demonstrate</a:t>
+            </a:r>
+            <a:r>
+              <a:rPr lang="it-IT" sz="2100" dirty="0"/>
+              <a:t> the </a:t>
+            </a:r>
+            <a:r>
+              <a:rPr lang="it-IT" sz="2100" dirty="0" err="1"/>
+              <a:t>most</a:t>
+            </a:r>
+            <a:r>
+              <a:rPr lang="it-IT" sz="2100" dirty="0"/>
+              <a:t> </a:t>
+            </a:r>
+            <a:r>
+              <a:rPr lang="it-IT" sz="2100" dirty="0" err="1"/>
+              <a:t>efficient</a:t>
+            </a:r>
+            <a:r>
+              <a:rPr lang="it-IT" sz="2100" dirty="0"/>
+              <a:t> </a:t>
+            </a:r>
+            <a:r>
+              <a:rPr lang="it-IT" sz="2100" dirty="0" err="1"/>
+              <a:t>realization</a:t>
+            </a:r>
+            <a:r>
+              <a:rPr lang="it-IT" sz="2100" dirty="0"/>
+              <a:t> of </a:t>
+            </a:r>
+            <a:r>
+              <a:rPr lang="it-IT" sz="2100" b="1" dirty="0"/>
+              <a:t>social </a:t>
+            </a:r>
+            <a:r>
+              <a:rPr lang="it-IT" sz="2100" b="1" dirty="0" err="1"/>
+              <a:t>expenditure</a:t>
+            </a:r>
+            <a:r>
+              <a:rPr lang="it-IT" sz="2100" b="1" dirty="0"/>
+              <a:t> strategies</a:t>
+            </a:r>
+            <a:r>
+              <a:rPr lang="it-IT" sz="2100" dirty="0"/>
+              <a:t> in </a:t>
+            </a:r>
+            <a:r>
+              <a:rPr lang="it-IT" sz="2100" dirty="0" err="1"/>
+              <a:t>combating</a:t>
+            </a:r>
+            <a:r>
+              <a:rPr lang="it-IT" sz="2100" dirty="0"/>
+              <a:t> </a:t>
+            </a:r>
+            <a:r>
+              <a:rPr lang="it-IT" sz="2100" dirty="0" err="1"/>
+              <a:t>poverty</a:t>
+            </a:r>
+            <a:r>
+              <a:rPr lang="it-IT" sz="2100" dirty="0"/>
+              <a:t>;</a:t>
+            </a:r>
+          </a:p>
+          <a:p>
+            <a:pPr>
+              <a:buFontTx/>
+              <a:buChar char="-"/>
+            </a:pPr>
+            <a:r>
+              <a:rPr lang="it-IT" sz="2100" dirty="0"/>
+              <a:t>second, to highlight </a:t>
+            </a:r>
+            <a:r>
+              <a:rPr lang="it-IT" sz="2100" b="1" dirty="0" err="1"/>
+              <a:t>specific</a:t>
+            </a:r>
+            <a:r>
+              <a:rPr lang="it-IT" sz="2100" b="1" dirty="0"/>
+              <a:t> </a:t>
+            </a:r>
+            <a:r>
+              <a:rPr lang="it-IT" sz="2100" b="1" dirty="0" err="1"/>
+              <a:t>timeframes</a:t>
+            </a:r>
+            <a:r>
+              <a:rPr lang="it-IT" sz="2100" b="1" dirty="0"/>
+              <a:t> </a:t>
+            </a:r>
+            <a:r>
+              <a:rPr lang="it-IT" sz="2100" dirty="0" err="1"/>
+              <a:t>where</a:t>
+            </a:r>
+            <a:r>
+              <a:rPr lang="it-IT" sz="2100" dirty="0"/>
+              <a:t> </a:t>
+            </a:r>
+            <a:r>
+              <a:rPr lang="it-IT" sz="2100" dirty="0" err="1"/>
+              <a:t>certain</a:t>
+            </a:r>
+            <a:r>
+              <a:rPr lang="it-IT" sz="2100" dirty="0"/>
+              <a:t> </a:t>
+            </a:r>
+            <a:r>
+              <a:rPr lang="it-IT" sz="2100" dirty="0" err="1"/>
+              <a:t>nations</a:t>
+            </a:r>
+            <a:r>
+              <a:rPr lang="it-IT" sz="2100" dirty="0"/>
+              <a:t>' policies </a:t>
+            </a:r>
+            <a:r>
+              <a:rPr lang="it-IT" sz="2100" dirty="0" err="1"/>
+              <a:t>proved</a:t>
+            </a:r>
+            <a:r>
+              <a:rPr lang="it-IT" sz="2100" dirty="0"/>
+              <a:t> </a:t>
+            </a:r>
+            <a:r>
+              <a:rPr lang="it-IT" sz="2100" dirty="0" err="1"/>
+              <a:t>particularly</a:t>
+            </a:r>
+            <a:r>
+              <a:rPr lang="it-IT" sz="2100" dirty="0"/>
+              <a:t> </a:t>
+            </a:r>
+            <a:r>
+              <a:rPr lang="it-IT" sz="2100" dirty="0" err="1"/>
+              <a:t>impactful</a:t>
+            </a:r>
+            <a:r>
+              <a:rPr lang="it-IT" sz="2100" dirty="0"/>
+              <a:t> or </a:t>
+            </a:r>
+            <a:r>
+              <a:rPr lang="it-IT" sz="2100" dirty="0" err="1"/>
+              <a:t>successful</a:t>
+            </a:r>
+            <a:r>
+              <a:rPr lang="it-IT" sz="2100" dirty="0"/>
+              <a:t>.</a:t>
+            </a:r>
+          </a:p>
+        </p:txBody>
+      </p:sp>
+    </p:spTree>
+    <p:extLst>
+      <p:ext uri="{BB962C8B-B14F-4D97-AF65-F5344CB8AC3E}">
+        <p14:creationId xmlns:p14="http://schemas.microsoft.com/office/powerpoint/2010/main" val="3845018806"/>
+      </p:ext>
+    </p:extLst>
+  </p:cSld>
+  <p:clrMapOvr>
+    <a:masterClrMapping/>
+  </p:clrMapOvr>
+  <p:extLst>
+    <p:ext uri="{6950BFC3-D8DA-4A85-94F7-54DA5524770B}">
+      <p188:commentRel xmlns:p188="http://schemas.microsoft.com/office/powerpoint/2018/8/main" r:id="rId2"/>
+    </p:ext>
+  </p:extLst>
+</p:sld>
+</file>
+
+<file path=ppt/slides/slide5.xml><?xml version="1.0" encoding="utf-8"?>
+<p:sld xmlns:a="http://schemas.openxmlformats.org/drawingml/2006/main" xmlns:r="http://schemas.openxmlformats.org/officeDocument/2006/relationships" xmlns:p="http://schemas.openxmlformats.org/presentationml/2006/main">
+  <p:cSld>
+    <p:spTree>
+      <p:nvGrpSpPr>
+        <p:cNvPr id="1" name=""/>
+        <p:cNvGrpSpPr/>
+        <p:nvPr/>
+      </p:nvGrpSpPr>
+      <p:grpSpPr>
+        <a:xfrm>
+          <a:off x="0" y="0"/>
+          <a:ext cx="0" cy="0"/>
+          <a:chOff x="0" y="0"/>
+          <a:chExt cx="0" cy="0"/>
+        </a:xfrm>
+      </p:grpSpPr>
+      <p:sp>
+        <p:nvSpPr>
+          <p:cNvPr id="2" name="Titolo 1">
+            <a:extLst>
+              <a:ext uri="{FF2B5EF4-FFF2-40B4-BE49-F238E27FC236}">
+                <a16:creationId xmlns:a16="http://schemas.microsoft.com/office/drawing/2014/main" id="{E085B9A1-43C8-66DE-F676-DFB9E4C271E9}"/>
+              </a:ext>
+            </a:extLst>
+          </p:cNvPr>
+          <p:cNvSpPr>
+            <a:spLocks noGrp="1"/>
+          </p:cNvSpPr>
+          <p:nvPr>
+            <p:ph type="title"/>
+          </p:nvPr>
+        </p:nvSpPr>
+        <p:spPr/>
+        <p:txBody>
+          <a:bodyPr/>
+          <a:lstStyle/>
+          <a:p>
+            <a:endParaRPr lang="it-IT"/>
+          </a:p>
+        </p:txBody>
+      </p:sp>
+      <p:sp>
+        <p:nvSpPr>
+          <p:cNvPr id="3" name="Segnaposto contenuto 2">
+            <a:extLst>
+              <a:ext uri="{FF2B5EF4-FFF2-40B4-BE49-F238E27FC236}">
+                <a16:creationId xmlns:a16="http://schemas.microsoft.com/office/drawing/2014/main" id="{822A6A7F-BB88-210A-8C7F-250C4EC1D865}"/>
+              </a:ext>
+            </a:extLst>
+          </p:cNvPr>
+          <p:cNvSpPr>
+            <a:spLocks noGrp="1"/>
+          </p:cNvSpPr>
+          <p:nvPr>
+            <p:ph idx="1"/>
+          </p:nvPr>
+        </p:nvSpPr>
+        <p:spPr/>
+        <p:txBody>
+          <a:bodyPr/>
+          <a:lstStyle/>
+          <a:p>
+            <a:endParaRPr lang="it-IT"/>
+          </a:p>
+        </p:txBody>
+      </p:sp>
+    </p:spTree>
+    <p:extLst>
+      <p:ext uri="{BB962C8B-B14F-4D97-AF65-F5344CB8AC3E}">
+        <p14:creationId xmlns:p14="http://schemas.microsoft.com/office/powerpoint/2010/main" val="3013284545"/>
+      </p:ext>
+    </p:extLst>
+  </p:cSld>
+  <p:clrMapOvr>
+    <a:masterClrMapping/>
+  </p:clrMapOvr>
+  <p:extLst>
+    <p:ext uri="{6950BFC3-D8DA-4A85-94F7-54DA5524770B}">
+      <p188:commentRel xmlns:p188="http://schemas.microsoft.com/office/powerpoint/2018/8/main" r:id="rId2"/>
+    </p:ext>
+  </p:extLst>
+</p:sld>
+</file>
+
+<file path=ppt/slides/slide6.xml><?xml version="1.0" encoding="utf-8"?>
 <p:sld xmlns:a="http://schemas.openxmlformats.org/drawingml/2006/main" xmlns:r="http://schemas.openxmlformats.org/officeDocument/2006/relationships" xmlns:p="http://schemas.openxmlformats.org/presentationml/2006/main">
   <p:cSld>
     <p:spTree>
@@ -5073,12 +5979,18 @@
 </p:sld>
 </file>
 
-<file path=ppt/slides/slide5.xml><?xml version="1.0" encoding="utf-8"?>
+<file path=ppt/slides/slide7.xml><?xml version="1.0" encoding="utf-8"?>
 <p:sld xmlns:a="http://schemas.openxmlformats.org/drawingml/2006/main" xmlns:r="http://schemas.openxmlformats.org/officeDocument/2006/relationships" xmlns:p="http://schemas.openxmlformats.org/presentationml/2006/main">
   <p:cSld>
     <p:spTree>
       <p:nvGrpSpPr>
-        <p:cNvPr id="1" name=""/>
+        <p:cNvPr id="1" name="">
+          <a:extLst>
+            <a:ext uri="{FF2B5EF4-FFF2-40B4-BE49-F238E27FC236}">
+              <a16:creationId xmlns:a16="http://schemas.microsoft.com/office/drawing/2014/main" id="{5BBA6334-B48D-0BE8-33D7-4F901C25C03A}"/>
+            </a:ext>
+          </a:extLst>
+        </p:cNvPr>
         <p:cNvGrpSpPr/>
         <p:nvPr/>
       </p:nvGrpSpPr>
@@ -5092,58 +6004,422 @@
       </p:grpSpPr>
       <p:sp>
         <p:nvSpPr>
-          <p:cNvPr id="2" name="Titolo 1">
-            <a:extLst>
-              <a:ext uri="{FF2B5EF4-FFF2-40B4-BE49-F238E27FC236}">
-                <a16:creationId xmlns:a16="http://schemas.microsoft.com/office/drawing/2014/main" id="{A40139B0-F182-12E7-709E-0636659775AF}"/>
-              </a:ext>
-            </a:extLst>
-          </p:cNvPr>
-          <p:cNvSpPr>
-            <a:spLocks noGrp="1"/>
-          </p:cNvSpPr>
-          <p:nvPr>
-            <p:ph type="title"/>
-          </p:nvPr>
-        </p:nvSpPr>
-        <p:spPr/>
+          <p:cNvPr id="3" name="Segnaposto contenuto 2">
+            <a:extLst>
+              <a:ext uri="{FF2B5EF4-FFF2-40B4-BE49-F238E27FC236}">
+                <a16:creationId xmlns:a16="http://schemas.microsoft.com/office/drawing/2014/main" id="{49C7FD3E-9016-00C0-6F6D-3FC5A04950E3}"/>
+              </a:ext>
+            </a:extLst>
+          </p:cNvPr>
+          <p:cNvSpPr>
+            <a:spLocks noGrp="1"/>
+          </p:cNvSpPr>
+          <p:nvPr>
+            <p:ph idx="1"/>
+          </p:nvPr>
+        </p:nvSpPr>
+        <p:spPr>
+          <a:xfrm>
+            <a:off x="700635" y="1049020"/>
+            <a:ext cx="10691265" cy="4345940"/>
+          </a:xfrm>
+        </p:spPr>
         <p:txBody>
           <a:bodyPr/>
           <a:lstStyle/>
           <a:p>
-            <a:endParaRPr lang="it-IT"/>
-          </a:p>
-        </p:txBody>
-      </p:sp>
-      <p:sp>
-        <p:nvSpPr>
-          <p:cNvPr id="3" name="Segnaposto contenuto 2">
-            <a:extLst>
-              <a:ext uri="{FF2B5EF4-FFF2-40B4-BE49-F238E27FC236}">
-                <a16:creationId xmlns:a16="http://schemas.microsoft.com/office/drawing/2014/main" id="{7389A191-58D1-59B4-B1FD-349030AE2E48}"/>
-              </a:ext>
-            </a:extLst>
-          </p:cNvPr>
-          <p:cNvSpPr>
-            <a:spLocks noGrp="1"/>
-          </p:cNvSpPr>
-          <p:nvPr>
-            <p:ph idx="1"/>
-          </p:nvPr>
-        </p:nvSpPr>
-        <p:spPr/>
-        <p:txBody>
-          <a:bodyPr/>
-          <a:lstStyle/>
-          <a:p>
-            <a:endParaRPr lang="it-IT"/>
+            <a:pPr marL="0" indent="0">
+              <a:buNone/>
+            </a:pPr>
+            <a:r>
+              <a:rPr lang="it-IT" dirty="0"/>
+              <a:t>The dataset </a:t>
+            </a:r>
+            <a:r>
+              <a:rPr lang="it-IT" dirty="0" err="1"/>
+              <a:t>at</a:t>
+            </a:r>
+            <a:r>
+              <a:rPr lang="it-IT" dirty="0"/>
+              <a:t> the center of </a:t>
+            </a:r>
+            <a:r>
+              <a:rPr lang="it-IT" dirty="0" err="1"/>
+              <a:t>this</a:t>
+            </a:r>
+            <a:r>
+              <a:rPr lang="it-IT" dirty="0"/>
+              <a:t> </a:t>
+            </a:r>
+            <a:r>
+              <a:rPr lang="it-IT" dirty="0" err="1"/>
+              <a:t>analysis</a:t>
+            </a:r>
+            <a:r>
+              <a:rPr lang="it-IT" dirty="0"/>
+              <a:t>, </a:t>
+            </a:r>
+            <a:r>
+              <a:rPr lang="it-IT" dirty="0" err="1"/>
+              <a:t>sourced</a:t>
+            </a:r>
+            <a:r>
+              <a:rPr lang="it-IT" dirty="0"/>
+              <a:t> from </a:t>
+            </a:r>
+            <a:r>
+              <a:rPr lang="it-IT" b="1" dirty="0"/>
+              <a:t>Eurostat</a:t>
+            </a:r>
+            <a:r>
+              <a:rPr lang="it-IT" dirty="0"/>
+              <a:t>, combines </a:t>
+            </a:r>
+            <a:r>
+              <a:rPr lang="it-IT" dirty="0" err="1"/>
+              <a:t>two</a:t>
+            </a:r>
+            <a:r>
+              <a:rPr lang="it-IT" dirty="0"/>
+              <a:t> key </a:t>
+            </a:r>
+            <a:r>
+              <a:rPr lang="it-IT" dirty="0" err="1"/>
+              <a:t>indicators</a:t>
+            </a:r>
+            <a:r>
+              <a:rPr lang="it-IT" dirty="0"/>
+              <a:t>: the </a:t>
+            </a:r>
+            <a:r>
+              <a:rPr lang="it-IT" b="1" dirty="0"/>
+              <a:t>At-risk-of-</a:t>
+            </a:r>
+            <a:r>
+              <a:rPr lang="it-IT" b="1" dirty="0" err="1"/>
+              <a:t>poverty</a:t>
+            </a:r>
+            <a:r>
+              <a:rPr lang="it-IT" b="1" dirty="0"/>
+              <a:t> rate</a:t>
+            </a:r>
+            <a:r>
+              <a:rPr lang="it-IT" dirty="0"/>
+              <a:t> and </a:t>
+            </a:r>
+            <a:r>
+              <a:rPr lang="it-IT" dirty="0" err="1"/>
+              <a:t>detailed</a:t>
+            </a:r>
+            <a:r>
+              <a:rPr lang="it-IT" dirty="0"/>
+              <a:t> data on </a:t>
+            </a:r>
+            <a:r>
+              <a:rPr lang="it-IT" b="1" dirty="0"/>
+              <a:t>Social </a:t>
+            </a:r>
+            <a:r>
+              <a:rPr lang="it-IT" b="1" dirty="0" err="1"/>
+              <a:t>Protection</a:t>
+            </a:r>
+            <a:r>
+              <a:rPr lang="it-IT" b="1" dirty="0"/>
+              <a:t> </a:t>
+            </a:r>
+            <a:r>
+              <a:rPr lang="it-IT" b="1" dirty="0" err="1"/>
+              <a:t>Expenditure</a:t>
+            </a:r>
+            <a:r>
+              <a:rPr lang="it-IT" dirty="0"/>
+              <a:t>.</a:t>
+            </a:r>
+          </a:p>
+          <a:p>
+            <a:pPr marL="0" indent="0">
+              <a:buNone/>
+            </a:pPr>
+            <a:endParaRPr lang="it-IT" dirty="0"/>
+          </a:p>
+          <a:p>
+            <a:pPr marL="0" indent="0">
+              <a:buNone/>
+            </a:pPr>
+            <a:r>
+              <a:rPr lang="it-IT" dirty="0"/>
+              <a:t>The </a:t>
+            </a:r>
+            <a:r>
+              <a:rPr lang="it-IT" dirty="0" err="1"/>
+              <a:t>origin</a:t>
+            </a:r>
+            <a:r>
+              <a:rPr lang="it-IT" dirty="0"/>
+              <a:t> of </a:t>
+            </a:r>
+            <a:r>
+              <a:rPr lang="it-IT" dirty="0" err="1"/>
+              <a:t>this</a:t>
+            </a:r>
+            <a:r>
+              <a:rPr lang="it-IT" dirty="0"/>
+              <a:t> data </a:t>
+            </a:r>
+            <a:r>
+              <a:rPr lang="it-IT" dirty="0" err="1"/>
+              <a:t>is</a:t>
+            </a:r>
+            <a:r>
+              <a:rPr lang="it-IT" dirty="0"/>
+              <a:t> the EU-SILC (</a:t>
+            </a:r>
+            <a:r>
+              <a:rPr lang="it-IT" dirty="0" err="1"/>
+              <a:t>Statistics</a:t>
+            </a:r>
+            <a:r>
+              <a:rPr lang="it-IT" dirty="0"/>
+              <a:t> on </a:t>
+            </a:r>
+            <a:r>
+              <a:rPr lang="it-IT" dirty="0" err="1"/>
+              <a:t>Income</a:t>
+            </a:r>
+            <a:r>
+              <a:rPr lang="it-IT" dirty="0"/>
+              <a:t> and Living </a:t>
+            </a:r>
+            <a:r>
+              <a:rPr lang="it-IT" dirty="0" err="1"/>
+              <a:t>Conditions</a:t>
+            </a:r>
+            <a:r>
+              <a:rPr lang="it-IT" dirty="0"/>
+              <a:t>) survey, </a:t>
+            </a:r>
+            <a:r>
+              <a:rPr lang="it-IT" dirty="0" err="1"/>
+              <a:t>which</a:t>
+            </a:r>
+            <a:r>
+              <a:rPr lang="it-IT" dirty="0"/>
+              <a:t> </a:t>
+            </a:r>
+            <a:r>
+              <a:rPr lang="it-IT" dirty="0" err="1"/>
+              <a:t>collects</a:t>
+            </a:r>
+            <a:r>
+              <a:rPr lang="it-IT" dirty="0"/>
+              <a:t> </a:t>
+            </a:r>
+            <a:r>
+              <a:rPr lang="it-IT" dirty="0" err="1"/>
+              <a:t>multidimensional</a:t>
+            </a:r>
+            <a:r>
+              <a:rPr lang="it-IT" dirty="0"/>
+              <a:t> </a:t>
+            </a:r>
+            <a:r>
+              <a:rPr lang="it-IT" dirty="0" err="1"/>
+              <a:t>microdata</a:t>
+            </a:r>
+            <a:r>
+              <a:rPr lang="it-IT" dirty="0"/>
+              <a:t> on </a:t>
+            </a:r>
+            <a:r>
+              <a:rPr lang="it-IT" dirty="0" err="1"/>
+              <a:t>income</a:t>
+            </a:r>
+            <a:r>
+              <a:rPr lang="it-IT" dirty="0"/>
+              <a:t>, </a:t>
+            </a:r>
+            <a:r>
+              <a:rPr lang="it-IT" dirty="0" err="1"/>
+              <a:t>poverty</a:t>
+            </a:r>
+            <a:r>
+              <a:rPr lang="it-IT" dirty="0"/>
+              <a:t>, and social </a:t>
+            </a:r>
+            <a:r>
+              <a:rPr lang="it-IT" dirty="0" err="1"/>
+              <a:t>exclusion</a:t>
+            </a:r>
+            <a:r>
+              <a:rPr lang="it-IT" dirty="0"/>
+              <a:t>. EU-SILC </a:t>
+            </a:r>
+            <a:r>
+              <a:rPr lang="it-IT" dirty="0" err="1"/>
+              <a:t>uses</a:t>
+            </a:r>
+            <a:r>
+              <a:rPr lang="it-IT" dirty="0"/>
+              <a:t> a </a:t>
+            </a:r>
+            <a:r>
+              <a:rPr lang="it-IT" dirty="0" err="1"/>
+              <a:t>nationally</a:t>
+            </a:r>
+            <a:r>
+              <a:rPr lang="it-IT" dirty="0"/>
+              <a:t> </a:t>
+            </a:r>
+            <a:r>
+              <a:rPr lang="it-IT" dirty="0" err="1"/>
+              <a:t>representative</a:t>
+            </a:r>
+            <a:r>
+              <a:rPr lang="it-IT" dirty="0"/>
+              <a:t> sample of private </a:t>
+            </a:r>
+            <a:r>
+              <a:rPr lang="it-IT" dirty="0" err="1"/>
+              <a:t>households</a:t>
+            </a:r>
+            <a:r>
+              <a:rPr lang="it-IT" dirty="0"/>
+              <a:t>, </a:t>
+            </a:r>
+            <a:r>
+              <a:rPr lang="it-IT" dirty="0" err="1"/>
+              <a:t>combining</a:t>
+            </a:r>
+            <a:r>
+              <a:rPr lang="it-IT" dirty="0"/>
+              <a:t> survey and </a:t>
+            </a:r>
+            <a:r>
+              <a:rPr lang="it-IT" dirty="0" err="1"/>
+              <a:t>administrative</a:t>
+            </a:r>
+            <a:r>
+              <a:rPr lang="it-IT" dirty="0"/>
+              <a:t> data to </a:t>
+            </a:r>
+            <a:r>
+              <a:rPr lang="it-IT" dirty="0" err="1"/>
+              <a:t>ensure</a:t>
+            </a:r>
+            <a:r>
+              <a:rPr lang="it-IT" dirty="0"/>
+              <a:t> </a:t>
+            </a:r>
+            <a:r>
+              <a:rPr lang="it-IT" dirty="0" err="1"/>
+              <a:t>comparability</a:t>
+            </a:r>
+            <a:r>
+              <a:rPr lang="it-IT" dirty="0"/>
+              <a:t>.</a:t>
+            </a:r>
+          </a:p>
+          <a:p>
+            <a:pPr marL="0" indent="0">
+              <a:buNone/>
+            </a:pPr>
+            <a:endParaRPr lang="it-IT" dirty="0"/>
+          </a:p>
+          <a:p>
+            <a:pPr marL="0" indent="0">
+              <a:buNone/>
+            </a:pPr>
+            <a:r>
+              <a:rPr lang="it-IT" dirty="0"/>
+              <a:t>The </a:t>
+            </a:r>
+            <a:r>
+              <a:rPr lang="it-IT" b="1" dirty="0" err="1"/>
+              <a:t>objective</a:t>
+            </a:r>
+            <a:r>
+              <a:rPr lang="it-IT" dirty="0"/>
+              <a:t> </a:t>
+            </a:r>
+            <a:r>
+              <a:rPr lang="it-IT" dirty="0" err="1"/>
+              <a:t>is</a:t>
+            </a:r>
+            <a:r>
+              <a:rPr lang="it-IT" dirty="0"/>
+              <a:t> to </a:t>
+            </a:r>
+            <a:r>
+              <a:rPr lang="it-IT" dirty="0" err="1"/>
+              <a:t>analyze</a:t>
+            </a:r>
+            <a:r>
+              <a:rPr lang="it-IT" dirty="0"/>
+              <a:t> the </a:t>
+            </a:r>
+            <a:r>
+              <a:rPr lang="it-IT" dirty="0" err="1"/>
+              <a:t>relationship</a:t>
+            </a:r>
+            <a:r>
+              <a:rPr lang="it-IT" dirty="0"/>
+              <a:t> </a:t>
+            </a:r>
+            <a:r>
+              <a:rPr lang="it-IT" dirty="0" err="1"/>
+              <a:t>between</a:t>
+            </a:r>
+            <a:r>
+              <a:rPr lang="it-IT" dirty="0"/>
+              <a:t> </a:t>
+            </a:r>
+            <a:r>
+              <a:rPr lang="it-IT" b="1" dirty="0"/>
+              <a:t>national social spending strategies</a:t>
+            </a:r>
+            <a:r>
+              <a:rPr lang="it-IT" dirty="0"/>
+              <a:t> and key </a:t>
+            </a:r>
+            <a:r>
+              <a:rPr lang="it-IT" dirty="0" err="1"/>
+              <a:t>socio-economic</a:t>
+            </a:r>
+            <a:r>
+              <a:rPr lang="it-IT" dirty="0"/>
+              <a:t> </a:t>
+            </a:r>
+            <a:r>
+              <a:rPr lang="it-IT" dirty="0" err="1"/>
+              <a:t>outcomes</a:t>
+            </a:r>
+            <a:r>
+              <a:rPr lang="it-IT" dirty="0"/>
+              <a:t> </a:t>
+            </a:r>
+            <a:r>
+              <a:rPr lang="it-IT" dirty="0" err="1"/>
+              <a:t>related</a:t>
+            </a:r>
+            <a:r>
+              <a:rPr lang="it-IT" dirty="0"/>
+              <a:t> to </a:t>
+            </a:r>
+            <a:r>
+              <a:rPr lang="it-IT" b="1" dirty="0" err="1"/>
+              <a:t>poverty</a:t>
+            </a:r>
+            <a:r>
+              <a:rPr lang="it-IT" dirty="0"/>
+              <a:t>.</a:t>
+            </a:r>
           </a:p>
         </p:txBody>
       </p:sp>
     </p:spTree>
     <p:extLst>
       <p:ext uri="{BB962C8B-B14F-4D97-AF65-F5344CB8AC3E}">
-        <p14:creationId xmlns:p14="http://schemas.microsoft.com/office/powerpoint/2010/main" val="1531098446"/>
+        <p14:creationId xmlns:p14="http://schemas.microsoft.com/office/powerpoint/2010/main" val="3709022007"/>
       </p:ext>
     </p:extLst>
   </p:cSld>
@@ -5398,4 +6674,319 @@
     </a:ext>
   </a:extLst>
 </a:theme>
+</file>
+
+<file path=ppt/theme/theme2.xml><?xml version="1.0" encoding="utf-8"?>
+<a:theme xmlns:a="http://schemas.openxmlformats.org/drawingml/2006/main" name="Tema di Office">
+  <a:themeElements>
+    <a:clrScheme name="Office">
+      <a:dk1>
+        <a:sysClr val="windowText" lastClr="000000"/>
+      </a:dk1>
+      <a:lt1>
+        <a:sysClr val="window" lastClr="FFFFFF"/>
+      </a:lt1>
+      <a:dk2>
+        <a:srgbClr val="0E2841"/>
+      </a:dk2>
+      <a:lt2>
+        <a:srgbClr val="E8E8E8"/>
+      </a:lt2>
+      <a:accent1>
+        <a:srgbClr val="156082"/>
+      </a:accent1>
+      <a:accent2>
+        <a:srgbClr val="E97132"/>
+      </a:accent2>
+      <a:accent3>
+        <a:srgbClr val="196B24"/>
+      </a:accent3>
+      <a:accent4>
+        <a:srgbClr val="0F9ED5"/>
+      </a:accent4>
+      <a:accent5>
+        <a:srgbClr val="A02B93"/>
+      </a:accent5>
+      <a:accent6>
+        <a:srgbClr val="4EA72E"/>
+      </a:accent6>
+      <a:hlink>
+        <a:srgbClr val="467886"/>
+      </a:hlink>
+      <a:folHlink>
+        <a:srgbClr val="96607D"/>
+      </a:folHlink>
+    </a:clrScheme>
+    <a:fontScheme name="Office">
+      <a:majorFont>
+        <a:latin typeface="Aptos Display" panose="02110004020202020204"/>
+        <a:ea typeface=""/>
+        <a:cs typeface=""/>
+        <a:font script="Jpan" typeface="游ゴシック Light"/>
+        <a:font script="Hang" typeface="맑은 고딕"/>
+        <a:font script="Hans" typeface="等线 Light"/>
+        <a:font script="Hant" typeface="新細明體"/>
+        <a:font script="Arab" typeface="Times New Roman"/>
+        <a:font script="Hebr" typeface="Times New Roman"/>
+        <a:font script="Thai" typeface="Angsana New"/>
+        <a:font script="Ethi" typeface="Nyala"/>
+        <a:font script="Beng" typeface="Vrinda"/>
+        <a:font script="Gujr" typeface="Shruti"/>
+        <a:font script="Khmr" typeface="MoolBoran"/>
+        <a:font script="Knda" typeface="Tunga"/>
+        <a:font script="Guru" typeface="Raavi"/>
+        <a:font script="Cans" typeface="Euphemia"/>
+        <a:font script="Cher" typeface="Plantagenet Cherokee"/>
+        <a:font script="Yiii" typeface="Microsoft Yi Baiti"/>
+        <a:font script="Tibt" typeface="Microsoft Himalaya"/>
+        <a:font script="Thaa" typeface="MV Boli"/>
+        <a:font script="Deva" typeface="Mangal"/>
+        <a:font script="Telu" typeface="Gautami"/>
+        <a:font script="Taml" typeface="Latha"/>
+        <a:font script="Syrc" typeface="Estrangelo Edessa"/>
+        <a:font script="Orya" typeface="Kalinga"/>
+        <a:font script="Mlym" typeface="Kartika"/>
+        <a:font script="Laoo" typeface="DokChampa"/>
+        <a:font script="Sinh" typeface="Iskoola Pota"/>
+        <a:font script="Mong" typeface="Mongolian Baiti"/>
+        <a:font script="Viet" typeface="Times New Roman"/>
+        <a:font script="Uigh" typeface="Microsoft Uighur"/>
+        <a:font script="Geor" typeface="Sylfaen"/>
+        <a:font script="Armn" typeface="Arial"/>
+        <a:font script="Bugi" typeface="Leelawadee UI"/>
+        <a:font script="Bopo" typeface="Microsoft JhengHei"/>
+        <a:font script="Java" typeface="Javanese Text"/>
+        <a:font script="Lisu" typeface="Segoe UI"/>
+        <a:font script="Mymr" typeface="Myanmar Text"/>
+        <a:font script="Nkoo" typeface="Ebrima"/>
+        <a:font script="Olck" typeface="Nirmala UI"/>
+        <a:font script="Osma" typeface="Ebrima"/>
+        <a:font script="Phag" typeface="Phagspa"/>
+        <a:font script="Syrn" typeface="Estrangelo Edessa"/>
+        <a:font script="Syrj" typeface="Estrangelo Edessa"/>
+        <a:font script="Syre" typeface="Estrangelo Edessa"/>
+        <a:font script="Sora" typeface="Nirmala UI"/>
+        <a:font script="Tale" typeface="Microsoft Tai Le"/>
+        <a:font script="Talu" typeface="Microsoft New Tai Lue"/>
+        <a:font script="Tfng" typeface="Ebrima"/>
+      </a:majorFont>
+      <a:minorFont>
+        <a:latin typeface="Aptos" panose="02110004020202020204"/>
+        <a:ea typeface=""/>
+        <a:cs typeface=""/>
+        <a:font script="Jpan" typeface="游ゴシック"/>
+        <a:font script="Hang" typeface="맑은 고딕"/>
+        <a:font script="Hans" typeface="等线"/>
+        <a:font script="Hant" typeface="新細明體"/>
+        <a:font script="Arab" typeface="Arial"/>
+        <a:font script="Hebr" typeface="Arial"/>
+        <a:font script="Thai" typeface="Cordia New"/>
+        <a:font script="Ethi" typeface="Nyala"/>
+        <a:font script="Beng" typeface="Vrinda"/>
+        <a:font script="Gujr" typeface="Shruti"/>
+        <a:font script="Khmr" typeface="DaunPenh"/>
+        <a:font script="Knda" typeface="Tunga"/>
+        <a:font script="Guru" typeface="Raavi"/>
+        <a:font script="Cans" typeface="Euphemia"/>
+        <a:font script="Cher" typeface="Plantagenet Cherokee"/>
+        <a:font script="Yiii" typeface="Microsoft Yi Baiti"/>
+        <a:font script="Tibt" typeface="Microsoft Himalaya"/>
+        <a:font script="Thaa" typeface="MV Boli"/>
+        <a:font script="Deva" typeface="Mangal"/>
+        <a:font script="Telu" typeface="Gautami"/>
+        <a:font script="Taml" typeface="Latha"/>
+        <a:font script="Syrc" typeface="Estrangelo Edessa"/>
+        <a:font script="Orya" typeface="Kalinga"/>
+        <a:font script="Mlym" typeface="Kartika"/>
+        <a:font script="Laoo" typeface="DokChampa"/>
+        <a:font script="Sinh" typeface="Iskoola Pota"/>
+        <a:font script="Mong" typeface="Mongolian Baiti"/>
+        <a:font script="Viet" typeface="Arial"/>
+        <a:font script="Uigh" typeface="Microsoft Uighur"/>
+        <a:font script="Geor" typeface="Sylfaen"/>
+        <a:font script="Armn" typeface="Arial"/>
+        <a:font script="Bugi" typeface="Leelawadee UI"/>
+        <a:font script="Bopo" typeface="Microsoft JhengHei"/>
+        <a:font script="Java" typeface="Javanese Text"/>
+        <a:font script="Lisu" typeface="Segoe UI"/>
+        <a:font script="Mymr" typeface="Myanmar Text"/>
+        <a:font script="Nkoo" typeface="Ebrima"/>
+        <a:font script="Olck" typeface="Nirmala UI"/>
+        <a:font script="Osma" typeface="Ebrima"/>
+        <a:font script="Phag" typeface="Phagspa"/>
+        <a:font script="Syrn" typeface="Estrangelo Edessa"/>
+        <a:font script="Syrj" typeface="Estrangelo Edessa"/>
+        <a:font script="Syre" typeface="Estrangelo Edessa"/>
+        <a:font script="Sora" typeface="Nirmala UI"/>
+        <a:font script="Tale" typeface="Microsoft Tai Le"/>
+        <a:font script="Talu" typeface="Microsoft New Tai Lue"/>
+        <a:font script="Tfng" typeface="Ebrima"/>
+      </a:minorFont>
+    </a:fontScheme>
+    <a:fmtScheme name="Office">
+      <a:fillStyleLst>
+        <a:solidFill>
+          <a:schemeClr val="phClr"/>
+        </a:solidFill>
+        <a:gradFill rotWithShape="1">
+          <a:gsLst>
+            <a:gs pos="0">
+              <a:schemeClr val="phClr">
+                <a:lumMod val="110000"/>
+                <a:satMod val="105000"/>
+                <a:tint val="67000"/>
+              </a:schemeClr>
+            </a:gs>
+            <a:gs pos="50000">
+              <a:schemeClr val="phClr">
+                <a:lumMod val="105000"/>
+                <a:satMod val="103000"/>
+                <a:tint val="73000"/>
+              </a:schemeClr>
+            </a:gs>
+            <a:gs pos="100000">
+              <a:schemeClr val="phClr">
+                <a:lumMod val="105000"/>
+                <a:satMod val="109000"/>
+                <a:tint val="81000"/>
+              </a:schemeClr>
+            </a:gs>
+          </a:gsLst>
+          <a:lin ang="5400000" scaled="0"/>
+        </a:gradFill>
+        <a:gradFill rotWithShape="1">
+          <a:gsLst>
+            <a:gs pos="0">
+              <a:schemeClr val="phClr">
+                <a:satMod val="103000"/>
+                <a:lumMod val="102000"/>
+                <a:tint val="94000"/>
+              </a:schemeClr>
+            </a:gs>
+            <a:gs pos="50000">
+              <a:schemeClr val="phClr">
+                <a:satMod val="110000"/>
+                <a:lumMod val="100000"/>
+                <a:shade val="100000"/>
+              </a:schemeClr>
+            </a:gs>
+            <a:gs pos="100000">
+              <a:schemeClr val="phClr">
+                <a:lumMod val="99000"/>
+                <a:satMod val="120000"/>
+                <a:shade val="78000"/>
+              </a:schemeClr>
+            </a:gs>
+          </a:gsLst>
+          <a:lin ang="5400000" scaled="0"/>
+        </a:gradFill>
+      </a:fillStyleLst>
+      <a:lnStyleLst>
+        <a:ln w="12700" cap="flat" cmpd="sng" algn="ctr">
+          <a:solidFill>
+            <a:schemeClr val="phClr"/>
+          </a:solidFill>
+          <a:prstDash val="solid"/>
+          <a:miter lim="800000"/>
+        </a:ln>
+        <a:ln w="19050" cap="flat" cmpd="sng" algn="ctr">
+          <a:solidFill>
+            <a:schemeClr val="phClr"/>
+          </a:solidFill>
+          <a:prstDash val="solid"/>
+          <a:miter lim="800000"/>
+        </a:ln>
+        <a:ln w="25400" cap="flat" cmpd="sng" algn="ctr">
+          <a:solidFill>
+            <a:schemeClr val="phClr"/>
+          </a:solidFill>
+          <a:prstDash val="solid"/>
+          <a:miter lim="800000"/>
+        </a:ln>
+      </a:lnStyleLst>
+      <a:effectStyleLst>
+        <a:effectStyle>
+          <a:effectLst/>
+        </a:effectStyle>
+        <a:effectStyle>
+          <a:effectLst/>
+        </a:effectStyle>
+        <a:effectStyle>
+          <a:effectLst>
+            <a:outerShdw blurRad="57150" dist="19050" dir="5400000" algn="ctr" rotWithShape="0">
+              <a:srgbClr val="000000">
+                <a:alpha val="63000"/>
+              </a:srgbClr>
+            </a:outerShdw>
+          </a:effectLst>
+        </a:effectStyle>
+      </a:effectStyleLst>
+      <a:bgFillStyleLst>
+        <a:solidFill>
+          <a:schemeClr val="phClr"/>
+        </a:solidFill>
+        <a:solidFill>
+          <a:schemeClr val="phClr">
+            <a:tint val="95000"/>
+            <a:satMod val="170000"/>
+          </a:schemeClr>
+        </a:solidFill>
+        <a:gradFill rotWithShape="1">
+          <a:gsLst>
+            <a:gs pos="0">
+              <a:schemeClr val="phClr">
+                <a:tint val="93000"/>
+                <a:satMod val="150000"/>
+                <a:shade val="98000"/>
+                <a:lumMod val="102000"/>
+              </a:schemeClr>
+            </a:gs>
+            <a:gs pos="50000">
+              <a:schemeClr val="phClr">
+                <a:tint val="98000"/>
+                <a:satMod val="130000"/>
+                <a:shade val="90000"/>
+                <a:lumMod val="103000"/>
+              </a:schemeClr>
+            </a:gs>
+            <a:gs pos="100000">
+              <a:schemeClr val="phClr">
+                <a:shade val="63000"/>
+                <a:satMod val="120000"/>
+              </a:schemeClr>
+            </a:gs>
+          </a:gsLst>
+          <a:lin ang="5400000" scaled="0"/>
+        </a:gradFill>
+      </a:bgFillStyleLst>
+    </a:fmtScheme>
+  </a:themeElements>
+  <a:objectDefaults>
+    <a:lnDef>
+      <a:spPr/>
+      <a:bodyPr/>
+      <a:lstStyle/>
+      <a:style>
+        <a:lnRef idx="2">
+          <a:schemeClr val="accent1"/>
+        </a:lnRef>
+        <a:fillRef idx="0">
+          <a:schemeClr val="accent1"/>
+        </a:fillRef>
+        <a:effectRef idx="1">
+          <a:schemeClr val="accent1"/>
+        </a:effectRef>
+        <a:fontRef idx="minor">
+          <a:schemeClr val="tx1"/>
+        </a:fontRef>
+      </a:style>
+    </a:lnDef>
+  </a:objectDefaults>
+  <a:extraClrSchemeLst/>
+  <a:extLst>
+    <a:ext uri="{05A4C25C-085E-4340-85A3-A5531E510DB2}">
+      <thm15:themeFamily xmlns:thm15="http://schemas.microsoft.com/office/thememl/2012/main" name="Office Theme" id="{2E142A2C-CD16-42D6-873A-C26D2A0506FA}" vid="{1BDDFF52-6CD6-40A5-AB3C-68EB2F1E4D0A}"/>
+    </a:ext>
+  </a:extLst>
+</a:theme>
 </file>